--- a/IT002-OOP/Slide lý thuyết/Others.pptx
+++ b/IT002-OOP/Slide lý thuyết/Others.pptx
@@ -203,7 +203,7 @@
           </a:lstStyle>
           <a:p>
             <a:fld id="{77F5E20D-330D-AE4A-A6A6-1850AD2ED2D6}" type="datetimeFigureOut">
-              <a:t>17/10/25</a:t>
+              <a:t>27/12/25</a:t>
             </a:fld>
             <a:endParaRPr lang="en-VN"/>
           </a:p>
@@ -618,7 +618,7 @@
           <a:lstStyle/>
           <a:p>
             <a:fld id="{B19CC23C-BA29-DE42-B018-0A671B23AB5C}" type="datetime1">
-              <a:t>17/10/25</a:t>
+              <a:t>27/12/25</a:t>
             </a:fld>
             <a:endParaRPr lang="en-VN"/>
           </a:p>
@@ -816,7 +816,7 @@
           <a:lstStyle/>
           <a:p>
             <a:fld id="{4C98E9E1-1963-2549-A392-0CE442C818D3}" type="datetime1">
-              <a:t>17/10/25</a:t>
+              <a:t>27/12/25</a:t>
             </a:fld>
             <a:endParaRPr lang="en-VN"/>
           </a:p>
@@ -1024,7 +1024,7 @@
           <a:lstStyle/>
           <a:p>
             <a:fld id="{C7AFA920-85BE-4747-816A-47AD76A510FA}" type="datetime1">
-              <a:t>17/10/25</a:t>
+              <a:t>27/12/25</a:t>
             </a:fld>
             <a:endParaRPr lang="en-VN"/>
           </a:p>
@@ -1222,7 +1222,7 @@
           <a:lstStyle/>
           <a:p>
             <a:fld id="{AAD3D96D-7531-BC47-A011-B5D6B3D43310}" type="datetime1">
-              <a:t>17/10/25</a:t>
+              <a:t>27/12/25</a:t>
             </a:fld>
             <a:endParaRPr lang="en-VN"/>
           </a:p>
@@ -1532,7 +1532,7 @@
           <a:lstStyle/>
           <a:p>
             <a:fld id="{9099FF25-CCF5-1749-B789-DEA9DF3915D1}" type="datetime1">
-              <a:t>17/10/25</a:t>
+              <a:t>27/12/25</a:t>
             </a:fld>
             <a:endParaRPr lang="en-VN"/>
           </a:p>
@@ -1798,7 +1798,7 @@
           <a:lstStyle/>
           <a:p>
             <a:fld id="{96C9BD3F-C60C-8F40-A1AA-746E79F526C8}" type="datetime1">
-              <a:t>17/10/25</a:t>
+              <a:t>27/12/25</a:t>
             </a:fld>
             <a:endParaRPr lang="en-VN"/>
           </a:p>
@@ -2211,7 +2211,7 @@
           <a:lstStyle/>
           <a:p>
             <a:fld id="{A8563D55-6338-8241-BEA3-C8267015B326}" type="datetime1">
-              <a:t>17/10/25</a:t>
+              <a:t>27/12/25</a:t>
             </a:fld>
             <a:endParaRPr lang="en-VN"/>
           </a:p>
@@ -2351,7 +2351,7 @@
           <a:lstStyle/>
           <a:p>
             <a:fld id="{89782EF4-4D34-8E49-9BB8-7FCD8F64F56C}" type="datetime1">
-              <a:t>17/10/25</a:t>
+              <a:t>27/12/25</a:t>
             </a:fld>
             <a:endParaRPr lang="en-VN"/>
           </a:p>
@@ -2462,7 +2462,7 @@
           <a:lstStyle/>
           <a:p>
             <a:fld id="{8A835D4F-1253-B847-8798-F89DBC53ECA3}" type="datetime1">
-              <a:t>17/10/25</a:t>
+              <a:t>27/12/25</a:t>
             </a:fld>
             <a:endParaRPr lang="en-VN"/>
           </a:p>
@@ -2773,7 +2773,7 @@
           <a:lstStyle/>
           <a:p>
             <a:fld id="{7B60E56D-C72A-354F-B0FC-65EC27F745C6}" type="datetime1">
-              <a:t>17/10/25</a:t>
+              <a:t>27/12/25</a:t>
             </a:fld>
             <a:endParaRPr lang="en-VN"/>
           </a:p>
@@ -3060,7 +3060,7 @@
           <a:lstStyle/>
           <a:p>
             <a:fld id="{D4EEE616-05B3-E949-A580-BAD4E917BCA4}" type="datetime1">
-              <a:t>17/10/25</a:t>
+              <a:t>27/12/25</a:t>
             </a:fld>
             <a:endParaRPr lang="en-VN"/>
           </a:p>
@@ -3301,7 +3301,7 @@
           </a:lstStyle>
           <a:p>
             <a:fld id="{D2508FC7-06EA-184C-B437-1FD4117B159D}" type="datetime1">
-              <a:t>17/10/25</a:t>
+              <a:t>27/12/25</a:t>
             </a:fld>
             <a:endParaRPr lang="en-VN"/>
           </a:p>
@@ -3925,8 +3925,8 @@
           </a:p>
         </p:txBody>
       </p:sp>
-      <mc:AlternateContent xmlns:mc="http://schemas.openxmlformats.org/markup-compatibility/2006">
-        <mc:Choice xmlns:a14="http://schemas.microsoft.com/office/drawing/2010/main" Requires="a14">
+      <mc:AlternateContent xmlns:mc="http://schemas.openxmlformats.org/markup-compatibility/2006" xmlns:a14="http://schemas.microsoft.com/office/drawing/2010/main">
+        <mc:Choice Requires="a14">
           <p:sp>
             <p:nvSpPr>
               <p:cNvPr id="5" name="Rectangle 4">
@@ -3967,23 +3967,33 @@
                 <a14:m>
                   <m:oMath xmlns:m="http://schemas.openxmlformats.org/officeDocument/2006/math">
                     <m:r>
-                      <a:rPr lang="vi-VN" sz="2800" i="1"/>
+                      <a:rPr lang="vi-VN" sz="2800" i="1">
+                        <a:latin typeface="Cambria Math" panose="02040503050406030204" pitchFamily="18" charset="0"/>
+                      </a:rPr>
                       <m:t>𝐴</m:t>
                     </m:r>
                     <m:r>
-                      <a:rPr lang="vi-VN" sz="2800" i="1"/>
+                      <a:rPr lang="vi-VN" sz="2800" i="1">
+                        <a:latin typeface="Cambria Math" panose="02040503050406030204" pitchFamily="18" charset="0"/>
+                      </a:rPr>
                       <m:t> </m:t>
                     </m:r>
                     <m:r>
-                      <a:rPr lang="vi-VN" sz="2800" i="1"/>
+                      <a:rPr lang="vi-VN" sz="2800" i="1">
+                        <a:latin typeface="Cambria Math" panose="02040503050406030204" pitchFamily="18" charset="0"/>
+                      </a:rPr>
                       <m:t>𝑖𝑠</m:t>
                     </m:r>
                     <m:r>
-                      <a:rPr lang="vi-VN" sz="2800" i="1"/>
+                      <a:rPr lang="vi-VN" sz="2800" i="1">
+                        <a:latin typeface="Cambria Math" panose="02040503050406030204" pitchFamily="18" charset="0"/>
+                      </a:rPr>
                       <m:t> </m:t>
                     </m:r>
                     <m:r>
-                      <a:rPr lang="vi-VN" sz="2800" i="1"/>
+                      <a:rPr lang="vi-VN" sz="2800" i="1">
+                        <a:latin typeface="Cambria Math" panose="02040503050406030204" pitchFamily="18" charset="0"/>
+                      </a:rPr>
                       <m:t>𝑀𝑎𝑡𝑟𝑖𝑥</m:t>
                     </m:r>
                   </m:oMath>
@@ -3998,23 +4008,33 @@
                 <a14:m>
                   <m:oMath xmlns:m="http://schemas.openxmlformats.org/officeDocument/2006/math">
                     <m:r>
-                      <a:rPr lang="vi-VN" sz="2800" i="1"/>
+                      <a:rPr lang="vi-VN" sz="2800" i="1">
+                        <a:latin typeface="Cambria Math" panose="02040503050406030204" pitchFamily="18" charset="0"/>
+                      </a:rPr>
                       <m:t>𝐵</m:t>
                     </m:r>
                     <m:r>
-                      <a:rPr lang="vi-VN" sz="2800" i="1"/>
+                      <a:rPr lang="vi-VN" sz="2800" i="1">
+                        <a:latin typeface="Cambria Math" panose="02040503050406030204" pitchFamily="18" charset="0"/>
+                      </a:rPr>
                       <m:t> </m:t>
                     </m:r>
                     <m:r>
-                      <a:rPr lang="vi-VN" sz="2800" i="1"/>
+                      <a:rPr lang="vi-VN" sz="2800" i="1">
+                        <a:latin typeface="Cambria Math" panose="02040503050406030204" pitchFamily="18" charset="0"/>
+                      </a:rPr>
                       <m:t>𝑖𝑠</m:t>
                     </m:r>
                     <m:r>
-                      <a:rPr lang="vi-VN" sz="2800" i="1"/>
+                      <a:rPr lang="vi-VN" sz="2800" i="1">
+                        <a:latin typeface="Cambria Math" panose="02040503050406030204" pitchFamily="18" charset="0"/>
+                      </a:rPr>
                       <m:t> </m:t>
                     </m:r>
                     <m:r>
-                      <a:rPr lang="vi-VN" sz="2800" i="1"/>
+                      <a:rPr lang="vi-VN" sz="2800" i="1">
+                        <a:latin typeface="Cambria Math" panose="02040503050406030204" pitchFamily="18" charset="0"/>
+                      </a:rPr>
                       <m:t>𝑀𝑎𝑡𝑟𝑖𝑥</m:t>
                     </m:r>
                   </m:oMath>
@@ -4029,19 +4049,27 @@
                 <a14:m>
                   <m:oMath xmlns:m="http://schemas.openxmlformats.org/officeDocument/2006/math">
                     <m:r>
-                      <a:rPr lang="vi-VN" sz="2800" i="1"/>
+                      <a:rPr lang="vi-VN" sz="2800" i="1">
+                        <a:latin typeface="Cambria Math" panose="02040503050406030204" pitchFamily="18" charset="0"/>
+                      </a:rPr>
                       <m:t>𝐶</m:t>
                     </m:r>
                     <m:r>
-                      <a:rPr lang="vi-VN" sz="2800" i="1"/>
+                      <a:rPr lang="vi-VN" sz="2800" i="1">
+                        <a:latin typeface="Cambria Math" panose="02040503050406030204" pitchFamily="18" charset="0"/>
+                      </a:rPr>
                       <m:t> = </m:t>
                     </m:r>
                     <m:r>
-                      <a:rPr lang="vi-VN" sz="2800" i="1"/>
+                      <a:rPr lang="vi-VN" sz="2800" i="1">
+                        <a:latin typeface="Cambria Math" panose="02040503050406030204" pitchFamily="18" charset="0"/>
+                      </a:rPr>
                       <m:t>𝐴</m:t>
                     </m:r>
                     <m:r>
-                      <a:rPr lang="vi-VN" sz="2800" i="1"/>
+                      <a:rPr lang="vi-VN" sz="2800" i="1">
+                        <a:latin typeface="Cambria Math" panose="02040503050406030204" pitchFamily="18" charset="0"/>
+                      </a:rPr>
                       <m:t>.</m:t>
                     </m:r>
                     <m:r>
@@ -4051,15 +4079,21 @@
                       <m:t>𝑚𝑢𝑙𝑡𝑖𝑝𝑙𝑦</m:t>
                     </m:r>
                     <m:r>
-                      <a:rPr lang="vi-VN" sz="2800" i="1"/>
+                      <a:rPr lang="vi-VN" sz="2800" i="1">
+                        <a:latin typeface="Cambria Math" panose="02040503050406030204" pitchFamily="18" charset="0"/>
+                      </a:rPr>
                       <m:t>(</m:t>
                     </m:r>
                     <m:r>
-                      <a:rPr lang="vi-VN" sz="2800" i="1"/>
+                      <a:rPr lang="vi-VN" sz="2800" i="1">
+                        <a:latin typeface="Cambria Math" panose="02040503050406030204" pitchFamily="18" charset="0"/>
+                      </a:rPr>
                       <m:t>𝐵</m:t>
                     </m:r>
                     <m:r>
-                      <a:rPr lang="vi-VN" sz="2800" i="1"/>
+                      <a:rPr lang="vi-VN" sz="2800" i="1">
+                        <a:latin typeface="Cambria Math" panose="02040503050406030204" pitchFamily="18" charset="0"/>
+                      </a:rPr>
                       <m:t>)</m:t>
                     </m:r>
                   </m:oMath>
@@ -4073,7 +4107,7 @@
             </p:txBody>
           </p:sp>
         </mc:Choice>
-        <mc:Fallback>
+        <mc:Fallback xmlns="">
           <p:sp>
             <p:nvSpPr>
               <p:cNvPr id="5" name="Rectangle 4">
@@ -4125,8 +4159,8 @@
           </p:sp>
         </mc:Fallback>
       </mc:AlternateContent>
-      <mc:AlternateContent xmlns:mc="http://schemas.openxmlformats.org/markup-compatibility/2006">
-        <mc:Choice xmlns:a14="http://schemas.microsoft.com/office/drawing/2010/main" Requires="a14">
+      <mc:AlternateContent xmlns:mc="http://schemas.openxmlformats.org/markup-compatibility/2006" xmlns:a14="http://schemas.microsoft.com/office/drawing/2010/main">
+        <mc:Choice Requires="a14">
           <p:sp>
             <p:nvSpPr>
               <p:cNvPr id="8" name="Rectangle 7">
@@ -4169,15 +4203,21 @@
                 <a14:m>
                   <m:oMath xmlns:m="http://schemas.openxmlformats.org/officeDocument/2006/math">
                     <m:r>
-                      <a:rPr lang="vi-VN" sz="2800" i="1"/>
+                      <a:rPr lang="vi-VN" sz="2800" i="1">
+                        <a:latin typeface="Cambria Math" panose="02040503050406030204" pitchFamily="18" charset="0"/>
+                      </a:rPr>
                       <m:t>𝐶</m:t>
                     </m:r>
                     <m:r>
-                      <a:rPr lang="vi-VN" sz="2800" i="1"/>
+                      <a:rPr lang="vi-VN" sz="2800" i="1">
+                        <a:latin typeface="Cambria Math" panose="02040503050406030204" pitchFamily="18" charset="0"/>
+                      </a:rPr>
                       <m:t> = </m:t>
                     </m:r>
                     <m:r>
-                      <a:rPr lang="vi-VN" sz="2800" i="1"/>
+                      <a:rPr lang="vi-VN" sz="2800" i="1">
+                        <a:latin typeface="Cambria Math" panose="02040503050406030204" pitchFamily="18" charset="0"/>
+                      </a:rPr>
                       <m:t>𝐴</m:t>
                     </m:r>
                     <m:r>
@@ -4187,7 +4227,9 @@
                       <m:t> @ </m:t>
                     </m:r>
                     <m:r>
-                      <a:rPr lang="vi-VN" sz="2800" i="1"/>
+                      <a:rPr lang="vi-VN" sz="2800" i="1">
+                        <a:latin typeface="Cambria Math" panose="02040503050406030204" pitchFamily="18" charset="0"/>
+                      </a:rPr>
                       <m:t>𝐵</m:t>
                     </m:r>
                   </m:oMath>
@@ -4201,7 +4243,7 @@
             </p:txBody>
           </p:sp>
         </mc:Choice>
-        <mc:Fallback>
+        <mc:Fallback xmlns="">
           <p:sp>
             <p:nvSpPr>
               <p:cNvPr id="8" name="Rectangle 7">
@@ -5290,8 +5332,8 @@
           </a:p>
         </p:txBody>
       </p:sp>
-      <mc:AlternateContent xmlns:mc="http://schemas.openxmlformats.org/markup-compatibility/2006">
-        <mc:Choice xmlns:a14="http://schemas.microsoft.com/office/drawing/2010/main" Requires="a14">
+      <mc:AlternateContent xmlns:mc="http://schemas.openxmlformats.org/markup-compatibility/2006" xmlns:a14="http://schemas.microsoft.com/office/drawing/2010/main">
+        <mc:Choice Requires="a14">
           <p:sp>
             <p:nvSpPr>
               <p:cNvPr id="12" name="Rectangle 11">
@@ -5329,6 +5371,7 @@
               <a:bodyPr/>
               <a:lstStyle/>
               <a:p>
+                <a:pPr/>
                 <a14:m>
                   <m:oMathPara xmlns:m="http://schemas.openxmlformats.org/officeDocument/2006/math">
                     <m:oMathParaPr>
@@ -5342,11 +5385,15 @@
                         <m:t>𝐵</m:t>
                       </m:r>
                       <m:r>
-                        <a:rPr lang="vi-VN" sz="2800" i="1"/>
+                        <a:rPr lang="vi-VN" sz="2800" i="1">
+                          <a:latin typeface="Cambria Math" panose="02040503050406030204" pitchFamily="18" charset="0"/>
+                        </a:rPr>
                         <m:t> = </m:t>
                       </m:r>
                       <m:r>
-                        <a:rPr lang="vi-VN" sz="2800" i="1"/>
+                        <a:rPr lang="vi-VN" sz="2800" i="1">
+                          <a:latin typeface="Cambria Math" panose="02040503050406030204" pitchFamily="18" charset="0"/>
+                        </a:rPr>
                         <m:t>𝐴</m:t>
                       </m:r>
                       <m:r>
@@ -5363,7 +5410,7 @@
             </p:txBody>
           </p:sp>
         </mc:Choice>
-        <mc:Fallback>
+        <mc:Fallback xmlns="">
           <p:sp>
             <p:nvSpPr>
               <p:cNvPr id="12" name="Rectangle 11">
@@ -5415,8 +5462,8 @@
           </p:sp>
         </mc:Fallback>
       </mc:AlternateContent>
-      <mc:AlternateContent xmlns:mc="http://schemas.openxmlformats.org/markup-compatibility/2006">
-        <mc:Choice xmlns:a14="http://schemas.microsoft.com/office/drawing/2010/main" Requires="a14">
+      <mc:AlternateContent xmlns:mc="http://schemas.openxmlformats.org/markup-compatibility/2006" xmlns:a14="http://schemas.microsoft.com/office/drawing/2010/main">
+        <mc:Choice Requires="a14">
           <p:sp>
             <p:nvSpPr>
               <p:cNvPr id="13" name="Rectangle 12">
@@ -5454,6 +5501,7 @@
               <a:bodyPr/>
               <a:lstStyle/>
               <a:p>
+                <a:pPr/>
                 <a14:m>
                   <m:oMathPara xmlns:m="http://schemas.openxmlformats.org/officeDocument/2006/math">
                     <m:oMathParaPr>
@@ -5467,11 +5515,15 @@
                         <m:t>𝐶</m:t>
                       </m:r>
                       <m:r>
-                        <a:rPr lang="vi-VN" sz="2800" i="1"/>
+                        <a:rPr lang="vi-VN" sz="2800" i="1">
+                          <a:latin typeface="Cambria Math" panose="02040503050406030204" pitchFamily="18" charset="0"/>
+                        </a:rPr>
                         <m:t>= </m:t>
                       </m:r>
                       <m:r>
-                        <a:rPr lang="vi-VN" sz="2800" i="1"/>
+                        <a:rPr lang="vi-VN" sz="2800" i="1">
+                          <a:latin typeface="Cambria Math" panose="02040503050406030204" pitchFamily="18" charset="0"/>
+                        </a:rPr>
                         <m:t>𝐴</m:t>
                       </m:r>
                       <m:r>
@@ -5494,7 +5546,7 @@
             </p:txBody>
           </p:sp>
         </mc:Choice>
-        <mc:Fallback>
+        <mc:Fallback xmlns="">
           <p:sp>
             <p:nvSpPr>
               <p:cNvPr id="13" name="Rectangle 12">
@@ -5546,8 +5598,8 @@
           </p:sp>
         </mc:Fallback>
       </mc:AlternateContent>
-      <mc:AlternateContent xmlns:mc="http://schemas.openxmlformats.org/markup-compatibility/2006">
-        <mc:Choice xmlns:a14="http://schemas.microsoft.com/office/drawing/2010/main" Requires="a14">
+      <mc:AlternateContent xmlns:mc="http://schemas.openxmlformats.org/markup-compatibility/2006" xmlns:a14="http://schemas.microsoft.com/office/drawing/2010/main">
+        <mc:Choice Requires="a14">
           <p:sp>
             <p:nvSpPr>
               <p:cNvPr id="14" name="Rectangle 13">
@@ -5585,6 +5637,7 @@
               <a:bodyPr/>
               <a:lstStyle/>
               <a:p>
+                <a:pPr/>
                 <a14:m>
                   <m:oMathPara xmlns:m="http://schemas.openxmlformats.org/officeDocument/2006/math">
                     <m:oMathParaPr>
@@ -5598,7 +5651,9 @@
                         <m:t>𝐸</m:t>
                       </m:r>
                       <m:r>
-                        <a:rPr lang="vi-VN" sz="2800" i="1"/>
+                        <a:rPr lang="vi-VN" sz="2800" i="1">
+                          <a:latin typeface="Cambria Math" panose="02040503050406030204" pitchFamily="18" charset="0"/>
+                        </a:rPr>
                         <m:t> =</m:t>
                       </m:r>
                       <m:d>
@@ -5655,7 +5710,9 @@
                         <m:t>𝐷</m:t>
                       </m:r>
                       <m:r>
-                        <a:rPr lang="vi-VN" sz="2800" i="1"/>
+                        <a:rPr lang="vi-VN" sz="2800" i="1">
+                          <a:latin typeface="Cambria Math" panose="02040503050406030204" pitchFamily="18" charset="0"/>
+                        </a:rPr>
                         <m:t> </m:t>
                       </m:r>
                     </m:oMath>
@@ -5666,7 +5723,7 @@
             </p:txBody>
           </p:sp>
         </mc:Choice>
-        <mc:Fallback>
+        <mc:Fallback xmlns="">
           <p:sp>
             <p:nvSpPr>
               <p:cNvPr id="14" name="Rectangle 13">
@@ -6339,8 +6396,8 @@
           </a:fontRef>
         </p:style>
       </p:cxnSp>
-      <mc:AlternateContent xmlns:mc="http://schemas.openxmlformats.org/markup-compatibility/2006">
-        <mc:Choice xmlns:a14="http://schemas.microsoft.com/office/drawing/2010/main" Requires="a14">
+      <mc:AlternateContent xmlns:mc="http://schemas.openxmlformats.org/markup-compatibility/2006" xmlns:a14="http://schemas.microsoft.com/office/drawing/2010/main">
+        <mc:Choice Requires="a14">
           <p:sp>
             <p:nvSpPr>
               <p:cNvPr id="36" name="TextBox 35">
@@ -6371,6 +6428,7 @@
               </a:bodyPr>
               <a:lstStyle/>
               <a:p>
+                <a:pPr/>
                 <a14:m>
                   <m:oMathPara xmlns:m="http://schemas.openxmlformats.org/officeDocument/2006/math">
                     <m:oMathParaPr>
@@ -6440,11 +6498,12 @@
                     </m:oMath>
                   </m:oMathPara>
                 </a14:m>
+                <a:endParaRPr/>
               </a:p>
             </p:txBody>
           </p:sp>
         </mc:Choice>
-        <mc:Fallback>
+        <mc:Fallback xmlns="">
           <p:sp>
             <p:nvSpPr>
               <p:cNvPr id="36" name="TextBox 35">
@@ -6577,8 +6636,8 @@
           </a:fontRef>
         </p:style>
       </p:cxnSp>
-      <mc:AlternateContent xmlns:mc="http://schemas.openxmlformats.org/markup-compatibility/2006">
-        <mc:Choice xmlns:a14="http://schemas.microsoft.com/office/drawing/2010/main" Requires="a14">
+      <mc:AlternateContent xmlns:mc="http://schemas.openxmlformats.org/markup-compatibility/2006" xmlns:a14="http://schemas.microsoft.com/office/drawing/2010/main">
+        <mc:Choice Requires="a14">
           <p:sp>
             <p:nvSpPr>
               <p:cNvPr id="40" name="TextBox 39">
@@ -6660,11 +6719,12 @@
                     </m:oMath>
                   </m:oMathPara>
                 </a14:m>
+                <a:endParaRPr/>
               </a:p>
             </p:txBody>
           </p:sp>
         </mc:Choice>
-        <mc:Fallback>
+        <mc:Fallback xmlns="">
           <p:sp>
             <p:nvSpPr>
               <p:cNvPr id="40" name="TextBox 39">
@@ -6709,8 +6769,8 @@
           </p:sp>
         </mc:Fallback>
       </mc:AlternateContent>
-      <mc:AlternateContent xmlns:mc="http://schemas.openxmlformats.org/markup-compatibility/2006">
-        <mc:Choice xmlns:a14="http://schemas.microsoft.com/office/drawing/2010/main" Requires="a14">
+      <mc:AlternateContent xmlns:mc="http://schemas.openxmlformats.org/markup-compatibility/2006" xmlns:a14="http://schemas.microsoft.com/office/drawing/2010/main">
+        <mc:Choice Requires="a14">
           <p:sp>
             <p:nvSpPr>
               <p:cNvPr id="41" name="TextBox 40">
@@ -6741,6 +6801,7 @@
               </a:bodyPr>
               <a:lstStyle/>
               <a:p>
+                <a:pPr/>
                 <a14:m>
                   <m:oMathPara xmlns:m="http://schemas.openxmlformats.org/officeDocument/2006/math">
                     <m:oMathParaPr>
@@ -6810,11 +6871,12 @@
                     </m:oMath>
                   </m:oMathPara>
                 </a14:m>
+                <a:endParaRPr/>
               </a:p>
             </p:txBody>
           </p:sp>
         </mc:Choice>
-        <mc:Fallback>
+        <mc:Fallback xmlns="">
           <p:sp>
             <p:nvSpPr>
               <p:cNvPr id="41" name="TextBox 40">
@@ -6859,8 +6921,8 @@
           </p:sp>
         </mc:Fallback>
       </mc:AlternateContent>
-      <mc:AlternateContent xmlns:mc="http://schemas.openxmlformats.org/markup-compatibility/2006">
-        <mc:Choice xmlns:a14="http://schemas.microsoft.com/office/drawing/2010/main" Requires="a14">
+      <mc:AlternateContent xmlns:mc="http://schemas.openxmlformats.org/markup-compatibility/2006" xmlns:a14="http://schemas.microsoft.com/office/drawing/2010/main">
+        <mc:Choice Requires="a14">
           <p:sp>
             <p:nvSpPr>
               <p:cNvPr id="42" name="TextBox 41">
@@ -6891,6 +6953,7 @@
               </a:bodyPr>
               <a:lstStyle/>
               <a:p>
+                <a:pPr/>
                 <a14:m>
                   <m:oMathPara xmlns:m="http://schemas.openxmlformats.org/officeDocument/2006/math">
                     <m:oMathParaPr>
@@ -6985,11 +7048,12 @@
                     </m:oMath>
                   </m:oMathPara>
                 </a14:m>
+                <a:endParaRPr/>
               </a:p>
             </p:txBody>
           </p:sp>
         </mc:Choice>
-        <mc:Fallback>
+        <mc:Fallback xmlns="">
           <p:sp>
             <p:nvSpPr>
               <p:cNvPr id="42" name="TextBox 41">
@@ -7034,8 +7098,8 @@
           </p:sp>
         </mc:Fallback>
       </mc:AlternateContent>
-      <mc:AlternateContent xmlns:mc="http://schemas.openxmlformats.org/markup-compatibility/2006">
-        <mc:Choice xmlns:a14="http://schemas.microsoft.com/office/drawing/2010/main" Requires="a14">
+      <mc:AlternateContent xmlns:mc="http://schemas.openxmlformats.org/markup-compatibility/2006" xmlns:a14="http://schemas.microsoft.com/office/drawing/2010/main">
+        <mc:Choice Requires="a14">
           <p:sp>
             <p:nvSpPr>
               <p:cNvPr id="43" name="TextBox 42">
@@ -7129,11 +7193,12 @@
                     </m:r>
                   </m:oMath>
                 </a14:m>
+                <a:endParaRPr lang="en-US" sz="2400"/>
               </a:p>
             </p:txBody>
           </p:sp>
         </mc:Choice>
-        <mc:Fallback>
+        <mc:Fallback xmlns="">
           <p:sp>
             <p:nvSpPr>
               <p:cNvPr id="43" name="TextBox 42">
@@ -8132,8 +8197,8 @@
           </a:p>
         </p:txBody>
       </p:sp>
-      <mc:AlternateContent xmlns:mc="http://schemas.openxmlformats.org/markup-compatibility/2006">
-        <mc:Choice xmlns:a14="http://schemas.microsoft.com/office/drawing/2010/main" Requires="a14">
+      <mc:AlternateContent xmlns:mc="http://schemas.openxmlformats.org/markup-compatibility/2006" xmlns:a14="http://schemas.microsoft.com/office/drawing/2010/main">
+        <mc:Choice Requires="a14">
           <p:sp>
             <p:nvSpPr>
               <p:cNvPr id="10" name="TextBox 9">
@@ -8247,13 +8312,7 @@
                         <a:rPr lang="vi-VN" sz="2800" b="0" i="1">
                           <a:latin typeface="Cambria Math" panose="02040503050406030204" pitchFamily="18" charset="0"/>
                         </a:rPr>
-                        <m:t> </m:t>
-                      </m:r>
-                      <m:r>
-                        <a:rPr lang="vi-VN" sz="2800" b="0" i="1">
-                          <a:latin typeface="Cambria Math" panose="02040503050406030204" pitchFamily="18" charset="0"/>
-                        </a:rPr>
-                        <m:t>&amp;</m:t>
+                        <m:t> &amp;</m:t>
                       </m:r>
                       <m:r>
                         <a:rPr lang="vi-VN" sz="2800" i="1">
@@ -8279,7 +8338,6 @@
                 <a:endParaRPr lang="vi-VN" sz="2800" i="1"/>
               </a:p>
               <a:p>
-                <a:pPr/>
                 <a:endParaRPr lang="vi-VN" sz="2800" i="1">
                   <a:latin typeface="Cambria Math" panose="02040503050406030204" pitchFamily="18" charset="0"/>
                 </a:endParaRPr>
@@ -8390,7 +8448,7 @@
             </p:txBody>
           </p:sp>
         </mc:Choice>
-        <mc:Fallback>
+        <mc:Fallback xmlns="">
           <p:sp>
             <p:nvSpPr>
               <p:cNvPr id="10" name="TextBox 9">
@@ -8705,8 +8763,8 @@
           </a:p>
         </p:txBody>
       </p:sp>
-      <mc:AlternateContent xmlns:mc="http://schemas.openxmlformats.org/markup-compatibility/2006">
-        <mc:Choice xmlns:a14="http://schemas.microsoft.com/office/drawing/2010/main" Requires="a14">
+      <mc:AlternateContent xmlns:mc="http://schemas.openxmlformats.org/markup-compatibility/2006" xmlns:a14="http://schemas.microsoft.com/office/drawing/2010/main">
+        <mc:Choice Requires="a14">
           <p:sp>
             <p:nvSpPr>
               <p:cNvPr id="3" name="Content Placeholder 2">
@@ -8742,57 +8800,75 @@
                 <a14:m>
                   <m:oMath xmlns:m="http://schemas.openxmlformats.org/officeDocument/2006/math">
                     <m:r>
-                      <a:rPr lang="en-VN" b="1" i="1"/>
+                      <a:rPr lang="en-VN" b="1" i="1">
+                        <a:latin typeface="Cambria Math" panose="02040503050406030204" pitchFamily="18" charset="0"/>
+                      </a:rPr>
                       <m:t>𝒊𝒏𝒕</m:t>
                     </m:r>
                     <m:r>
-                      <a:rPr lang="en-VN" i="1"/>
+                      <a:rPr lang="en-VN" i="1">
+                        <a:latin typeface="Cambria Math" panose="02040503050406030204" pitchFamily="18" charset="0"/>
+                      </a:rPr>
                       <m:t> </m:t>
                     </m:r>
                     <m:r>
                       <a:rPr lang="en-VN" i="1">
                         <a:latin typeface="Cambria Math" panose="02040503050406030204" pitchFamily="18" charset="0"/>
                       </a:rPr>
-                      <m:t>𝑚</m:t>
-                    </m:r>
-                    <m:r>
-                      <a:rPr lang="en-VN" i="1"/>
-                      <m:t>𝑎𝑥</m:t>
-                    </m:r>
-                    <m:r>
-                      <a:rPr lang="en-VN" i="1"/>
+                      <m:t>𝑚𝑎𝑥</m:t>
+                    </m:r>
+                    <m:r>
+                      <a:rPr lang="en-VN" i="1">
+                        <a:latin typeface="Cambria Math" panose="02040503050406030204" pitchFamily="18" charset="0"/>
+                      </a:rPr>
                       <m:t>(</m:t>
                     </m:r>
                     <m:r>
-                      <a:rPr lang="en-VN" b="1" i="1"/>
+                      <a:rPr lang="en-VN" b="1" i="1">
+                        <a:latin typeface="Cambria Math" panose="02040503050406030204" pitchFamily="18" charset="0"/>
+                      </a:rPr>
                       <m:t>𝒊𝒏𝒕</m:t>
                     </m:r>
                     <m:r>
-                      <a:rPr lang="en-VN" i="1"/>
+                      <a:rPr lang="en-VN" i="1">
+                        <a:latin typeface="Cambria Math" panose="02040503050406030204" pitchFamily="18" charset="0"/>
+                      </a:rPr>
                       <m:t> </m:t>
                     </m:r>
                     <m:r>
-                      <a:rPr lang="en-VN" i="1"/>
+                      <a:rPr lang="en-VN" i="1">
+                        <a:latin typeface="Cambria Math" panose="02040503050406030204" pitchFamily="18" charset="0"/>
+                      </a:rPr>
                       <m:t>𝑎</m:t>
                     </m:r>
                     <m:r>
-                      <a:rPr lang="en-VN" i="1"/>
+                      <a:rPr lang="en-VN" i="1">
+                        <a:latin typeface="Cambria Math" panose="02040503050406030204" pitchFamily="18" charset="0"/>
+                      </a:rPr>
                       <m:t>, </m:t>
                     </m:r>
                     <m:r>
-                      <a:rPr lang="en-VN" b="1" i="1"/>
+                      <a:rPr lang="en-VN" b="1" i="1">
+                        <a:latin typeface="Cambria Math" panose="02040503050406030204" pitchFamily="18" charset="0"/>
+                      </a:rPr>
                       <m:t>𝒊𝒏𝒕</m:t>
                     </m:r>
                     <m:r>
-                      <a:rPr lang="en-VN" i="1"/>
+                      <a:rPr lang="en-VN" i="1">
+                        <a:latin typeface="Cambria Math" panose="02040503050406030204" pitchFamily="18" charset="0"/>
+                      </a:rPr>
                       <m:t> </m:t>
                     </m:r>
                     <m:r>
-                      <a:rPr lang="en-VN" i="1"/>
+                      <a:rPr lang="en-VN" i="1">
+                        <a:latin typeface="Cambria Math" panose="02040503050406030204" pitchFamily="18" charset="0"/>
+                      </a:rPr>
                       <m:t>𝑏</m:t>
                     </m:r>
                     <m:r>
-                      <a:rPr lang="en-VN" i="1"/>
+                      <a:rPr lang="en-VN" i="1">
+                        <a:latin typeface="Cambria Math" panose="02040503050406030204" pitchFamily="18" charset="0"/>
+                      </a:rPr>
                       <m:t>) {</m:t>
                     </m:r>
                   </m:oMath>
@@ -8809,56 +8885,80 @@
                 <a14:m>
                   <m:oMath xmlns:m="http://schemas.openxmlformats.org/officeDocument/2006/math">
                     <m:r>
-                      <a:rPr lang="vi-VN" i="1"/>
+                      <a:rPr lang="vi-VN" i="1">
+                        <a:latin typeface="Cambria Math" panose="02040503050406030204" pitchFamily="18" charset="0"/>
+                      </a:rPr>
                       <m:t>     </m:t>
                     </m:r>
                     <m:r>
-                      <a:rPr lang="en-VN" b="1" i="1"/>
+                      <a:rPr lang="en-VN" b="1" i="1">
+                        <a:latin typeface="Cambria Math" panose="02040503050406030204" pitchFamily="18" charset="0"/>
+                      </a:rPr>
                       <m:t>𝒓𝒆𝒕𝒖𝒓𝒏</m:t>
                     </m:r>
                     <m:r>
-                      <a:rPr lang="en-VN" i="1"/>
+                      <a:rPr lang="en-VN" i="1">
+                        <a:latin typeface="Cambria Math" panose="02040503050406030204" pitchFamily="18" charset="0"/>
+                      </a:rPr>
                       <m:t> </m:t>
                     </m:r>
                     <m:d>
                       <m:dPr>
                         <m:ctrlPr>
-                          <a:rPr lang="en-VN" i="1"/>
+                          <a:rPr lang="en-VN" i="1">
+                            <a:latin typeface="Cambria Math" panose="02040503050406030204" pitchFamily="18" charset="0"/>
+                          </a:rPr>
                         </m:ctrlPr>
                       </m:dPr>
                       <m:e>
                         <m:r>
-                          <a:rPr lang="en-VN" i="1"/>
+                          <a:rPr lang="en-VN" i="1">
+                            <a:latin typeface="Cambria Math" panose="02040503050406030204" pitchFamily="18" charset="0"/>
+                          </a:rPr>
                           <m:t>𝑎</m:t>
                         </m:r>
                         <m:r>
-                          <a:rPr lang="en-VN" i="1"/>
+                          <a:rPr lang="en-VN" i="1">
+                            <a:latin typeface="Cambria Math" panose="02040503050406030204" pitchFamily="18" charset="0"/>
+                          </a:rPr>
                           <m:t> &gt; </m:t>
                         </m:r>
                         <m:r>
-                          <a:rPr lang="en-VN" i="1"/>
+                          <a:rPr lang="en-VN" i="1">
+                            <a:latin typeface="Cambria Math" panose="02040503050406030204" pitchFamily="18" charset="0"/>
+                          </a:rPr>
                           <m:t>𝑏</m:t>
                         </m:r>
                       </m:e>
                     </m:d>
                     <m:r>
-                      <a:rPr lang="en-VN" i="1"/>
+                      <a:rPr lang="en-VN" i="1">
+                        <a:latin typeface="Cambria Math" panose="02040503050406030204" pitchFamily="18" charset="0"/>
+                      </a:rPr>
                       <m:t>? </m:t>
                     </m:r>
                     <m:r>
-                      <a:rPr lang="en-VN" i="1"/>
+                      <a:rPr lang="en-VN" i="1">
+                        <a:latin typeface="Cambria Math" panose="02040503050406030204" pitchFamily="18" charset="0"/>
+                      </a:rPr>
                       <m:t>𝑎</m:t>
                     </m:r>
                     <m:r>
-                      <a:rPr lang="en-VN" i="1"/>
+                      <a:rPr lang="en-VN" i="1">
+                        <a:latin typeface="Cambria Math" panose="02040503050406030204" pitchFamily="18" charset="0"/>
+                      </a:rPr>
                       <m:t> : </m:t>
                     </m:r>
                     <m:r>
-                      <a:rPr lang="en-VN" i="1"/>
+                      <a:rPr lang="en-VN" i="1">
+                        <a:latin typeface="Cambria Math" panose="02040503050406030204" pitchFamily="18" charset="0"/>
+                      </a:rPr>
                       <m:t>𝑏</m:t>
                     </m:r>
                     <m:r>
-                      <a:rPr lang="en-VN" i="1"/>
+                      <a:rPr lang="en-VN" i="1">
+                        <a:latin typeface="Cambria Math" panose="02040503050406030204" pitchFamily="18" charset="0"/>
+                      </a:rPr>
                       <m:t>; </m:t>
                     </m:r>
                   </m:oMath>
@@ -8875,7 +8975,9 @@
                 <a14:m>
                   <m:oMath xmlns:m="http://schemas.openxmlformats.org/officeDocument/2006/math">
                     <m:r>
-                      <a:rPr lang="en-VN" i="1"/>
+                      <a:rPr lang="en-VN" i="1">
+                        <a:latin typeface="Cambria Math" panose="02040503050406030204" pitchFamily="18" charset="0"/>
+                      </a:rPr>
                       <m:t>}</m:t>
                     </m:r>
                   </m:oMath>
@@ -8894,7 +8996,7 @@
             </p:txBody>
           </p:sp>
         </mc:Choice>
-        <mc:Fallback>
+        <mc:Fallback xmlns="">
           <p:sp>
             <p:nvSpPr>
               <p:cNvPr id="3" name="Content Placeholder 2">
@@ -8967,8 +9069,8 @@
           </a:p>
         </p:txBody>
       </p:sp>
-      <mc:AlternateContent xmlns:mc="http://schemas.openxmlformats.org/markup-compatibility/2006">
-        <mc:Choice xmlns:a14="http://schemas.microsoft.com/office/drawing/2010/main" Requires="a14">
+      <mc:AlternateContent xmlns:mc="http://schemas.openxmlformats.org/markup-compatibility/2006" xmlns:a14="http://schemas.microsoft.com/office/drawing/2010/main">
+        <mc:Choice Requires="a14">
           <p:sp>
             <p:nvSpPr>
               <p:cNvPr id="5" name="Content Placeholder 2">
@@ -9177,21 +9279,21 @@
                       <m:t>𝒅𝒐𝒖𝒃𝒍𝒆</m:t>
                     </m:r>
                     <m:r>
-                      <a:rPr lang="en-VN" i="1"/>
+                      <a:rPr lang="en-VN" i="1">
+                        <a:latin typeface="Cambria Math" panose="02040503050406030204" pitchFamily="18" charset="0"/>
+                      </a:rPr>
                       <m:t> </m:t>
                     </m:r>
                     <m:r>
                       <a:rPr lang="en-VN" i="1">
                         <a:latin typeface="Cambria Math" panose="02040503050406030204" pitchFamily="18" charset="0"/>
                       </a:rPr>
-                      <m:t>𝑚</m:t>
-                    </m:r>
-                    <m:r>
-                      <a:rPr lang="en-VN" i="1"/>
-                      <m:t>𝑎𝑥</m:t>
-                    </m:r>
-                    <m:r>
-                      <a:rPr lang="en-VN" i="1"/>
+                      <m:t>𝑚𝑎𝑥</m:t>
+                    </m:r>
+                    <m:r>
+                      <a:rPr lang="en-VN" i="1">
+                        <a:latin typeface="Cambria Math" panose="02040503050406030204" pitchFamily="18" charset="0"/>
+                      </a:rPr>
                       <m:t>(</m:t>
                     </m:r>
                     <m:r>
@@ -9201,15 +9303,21 @@
                       <m:t>𝒅𝒐𝒖𝒃𝒍𝒆</m:t>
                     </m:r>
                     <m:r>
-                      <a:rPr lang="en-VN" i="1"/>
+                      <a:rPr lang="en-VN" i="1">
+                        <a:latin typeface="Cambria Math" panose="02040503050406030204" pitchFamily="18" charset="0"/>
+                      </a:rPr>
                       <m:t> </m:t>
                     </m:r>
                     <m:r>
-                      <a:rPr lang="en-VN" i="1"/>
+                      <a:rPr lang="en-VN" i="1">
+                        <a:latin typeface="Cambria Math" panose="02040503050406030204" pitchFamily="18" charset="0"/>
+                      </a:rPr>
                       <m:t>𝑎</m:t>
                     </m:r>
                     <m:r>
-                      <a:rPr lang="en-VN" i="1"/>
+                      <a:rPr lang="en-VN" i="1">
+                        <a:latin typeface="Cambria Math" panose="02040503050406030204" pitchFamily="18" charset="0"/>
+                      </a:rPr>
                       <m:t>, </m:t>
                     </m:r>
                     <m:r>
@@ -9219,15 +9327,21 @@
                       <m:t>𝒅𝒐𝒖𝒃𝒍𝒆</m:t>
                     </m:r>
                     <m:r>
-                      <a:rPr lang="en-VN" i="1"/>
+                      <a:rPr lang="en-VN" i="1">
+                        <a:latin typeface="Cambria Math" panose="02040503050406030204" pitchFamily="18" charset="0"/>
+                      </a:rPr>
                       <m:t> </m:t>
                     </m:r>
                     <m:r>
-                      <a:rPr lang="en-VN" i="1"/>
+                      <a:rPr lang="en-VN" i="1">
+                        <a:latin typeface="Cambria Math" panose="02040503050406030204" pitchFamily="18" charset="0"/>
+                      </a:rPr>
                       <m:t>𝑏</m:t>
                     </m:r>
                     <m:r>
-                      <a:rPr lang="en-VN" i="1"/>
+                      <a:rPr lang="en-VN" i="1">
+                        <a:latin typeface="Cambria Math" panose="02040503050406030204" pitchFamily="18" charset="0"/>
+                      </a:rPr>
                       <m:t>) {</m:t>
                     </m:r>
                   </m:oMath>
@@ -9245,56 +9359,80 @@
                 <a14:m>
                   <m:oMath xmlns:m="http://schemas.openxmlformats.org/officeDocument/2006/math">
                     <m:r>
-                      <a:rPr lang="vi-VN" i="1"/>
+                      <a:rPr lang="vi-VN" i="1">
+                        <a:latin typeface="Cambria Math" panose="02040503050406030204" pitchFamily="18" charset="0"/>
+                      </a:rPr>
                       <m:t>     </m:t>
                     </m:r>
                     <m:r>
-                      <a:rPr lang="en-VN" b="1" i="1"/>
+                      <a:rPr lang="en-VN" b="1" i="1">
+                        <a:latin typeface="Cambria Math" panose="02040503050406030204" pitchFamily="18" charset="0"/>
+                      </a:rPr>
                       <m:t>𝒓𝒆𝒕𝒖𝒓𝒏</m:t>
                     </m:r>
                     <m:r>
-                      <a:rPr lang="en-VN" i="1"/>
+                      <a:rPr lang="en-VN" i="1">
+                        <a:latin typeface="Cambria Math" panose="02040503050406030204" pitchFamily="18" charset="0"/>
+                      </a:rPr>
                       <m:t> </m:t>
                     </m:r>
                     <m:d>
                       <m:dPr>
                         <m:ctrlPr>
-                          <a:rPr lang="en-VN" i="1"/>
+                          <a:rPr lang="en-VN" i="1">
+                            <a:latin typeface="Cambria Math" panose="02040503050406030204" pitchFamily="18" charset="0"/>
+                          </a:rPr>
                         </m:ctrlPr>
                       </m:dPr>
                       <m:e>
                         <m:r>
-                          <a:rPr lang="en-VN" i="1"/>
+                          <a:rPr lang="en-VN" i="1">
+                            <a:latin typeface="Cambria Math" panose="02040503050406030204" pitchFamily="18" charset="0"/>
+                          </a:rPr>
                           <m:t>𝑎</m:t>
                         </m:r>
                         <m:r>
-                          <a:rPr lang="en-VN" i="1"/>
+                          <a:rPr lang="en-VN" i="1">
+                            <a:latin typeface="Cambria Math" panose="02040503050406030204" pitchFamily="18" charset="0"/>
+                          </a:rPr>
                           <m:t> &gt; </m:t>
                         </m:r>
                         <m:r>
-                          <a:rPr lang="en-VN" i="1"/>
+                          <a:rPr lang="en-VN" i="1">
+                            <a:latin typeface="Cambria Math" panose="02040503050406030204" pitchFamily="18" charset="0"/>
+                          </a:rPr>
                           <m:t>𝑏</m:t>
                         </m:r>
                       </m:e>
                     </m:d>
                     <m:r>
-                      <a:rPr lang="en-VN" i="1"/>
+                      <a:rPr lang="en-VN" i="1">
+                        <a:latin typeface="Cambria Math" panose="02040503050406030204" pitchFamily="18" charset="0"/>
+                      </a:rPr>
                       <m:t>? </m:t>
                     </m:r>
                     <m:r>
-                      <a:rPr lang="en-VN" i="1"/>
+                      <a:rPr lang="en-VN" i="1">
+                        <a:latin typeface="Cambria Math" panose="02040503050406030204" pitchFamily="18" charset="0"/>
+                      </a:rPr>
                       <m:t>𝑎</m:t>
                     </m:r>
                     <m:r>
-                      <a:rPr lang="en-VN" i="1"/>
+                      <a:rPr lang="en-VN" i="1">
+                        <a:latin typeface="Cambria Math" panose="02040503050406030204" pitchFamily="18" charset="0"/>
+                      </a:rPr>
                       <m:t> : </m:t>
                     </m:r>
                     <m:r>
-                      <a:rPr lang="en-VN" i="1"/>
+                      <a:rPr lang="en-VN" i="1">
+                        <a:latin typeface="Cambria Math" panose="02040503050406030204" pitchFamily="18" charset="0"/>
+                      </a:rPr>
                       <m:t>𝑏</m:t>
                     </m:r>
                     <m:r>
-                      <a:rPr lang="en-VN" i="1"/>
+                      <a:rPr lang="en-VN" i="1">
+                        <a:latin typeface="Cambria Math" panose="02040503050406030204" pitchFamily="18" charset="0"/>
+                      </a:rPr>
                       <m:t>; </m:t>
                     </m:r>
                   </m:oMath>
@@ -9312,7 +9450,9 @@
                 <a14:m>
                   <m:oMath xmlns:m="http://schemas.openxmlformats.org/officeDocument/2006/math">
                     <m:r>
-                      <a:rPr lang="en-VN" i="1"/>
+                      <a:rPr lang="en-VN" i="1">
+                        <a:latin typeface="Cambria Math" panose="02040503050406030204" pitchFamily="18" charset="0"/>
+                      </a:rPr>
                       <m:t>}</m:t>
                     </m:r>
                   </m:oMath>
@@ -9332,7 +9472,7 @@
             </p:txBody>
           </p:sp>
         </mc:Choice>
-        <mc:Fallback>
+        <mc:Fallback xmlns="">
           <p:sp>
             <p:nvSpPr>
               <p:cNvPr id="5" name="Content Placeholder 2">
@@ -9377,8 +9517,8 @@
           </p:sp>
         </mc:Fallback>
       </mc:AlternateContent>
-      <mc:AlternateContent xmlns:mc="http://schemas.openxmlformats.org/markup-compatibility/2006">
-        <mc:Choice xmlns:a14="http://schemas.microsoft.com/office/drawing/2010/main" Requires="a14">
+      <mc:AlternateContent xmlns:mc="http://schemas.openxmlformats.org/markup-compatibility/2006" xmlns:a14="http://schemas.microsoft.com/office/drawing/2010/main">
+        <mc:Choice Requires="a14">
           <p:sp>
             <p:nvSpPr>
               <p:cNvPr id="6" name="Content Placeholder 2">
@@ -9580,27 +9720,39 @@
                 <a14:m>
                   <m:oMath xmlns:m="http://schemas.openxmlformats.org/officeDocument/2006/math">
                     <m:r>
-                      <a:rPr lang="vi-VN" b="1" i="1"/>
+                      <a:rPr lang="vi-VN" b="1" i="1">
+                        <a:latin typeface="Cambria Math" panose="02040503050406030204" pitchFamily="18" charset="0"/>
+                      </a:rPr>
                       <m:t>𝒕𝒆𝒎𝒑𝒍𝒂𝒕𝒆</m:t>
                     </m:r>
                     <m:r>
-                      <a:rPr lang="vi-VN" i="1"/>
+                      <a:rPr lang="vi-VN" i="1">
+                        <a:latin typeface="Cambria Math" panose="02040503050406030204" pitchFamily="18" charset="0"/>
+                      </a:rPr>
                       <m:t>⟨</m:t>
                     </m:r>
                     <m:r>
-                      <a:rPr lang="vi-VN" b="1" i="1"/>
+                      <a:rPr lang="vi-VN" b="1" i="1">
+                        <a:latin typeface="Cambria Math" panose="02040503050406030204" pitchFamily="18" charset="0"/>
+                      </a:rPr>
                       <m:t>𝒕𝒚𝒑𝒆𝒏𝒂𝒎𝒆</m:t>
                     </m:r>
                     <m:r>
-                      <a:rPr lang="vi-VN" i="1"/>
+                      <a:rPr lang="vi-VN" i="1">
+                        <a:latin typeface="Cambria Math" panose="02040503050406030204" pitchFamily="18" charset="0"/>
+                      </a:rPr>
                       <m:t> </m:t>
                     </m:r>
                     <m:r>
-                      <a:rPr lang="vi-VN" i="1"/>
+                      <a:rPr lang="vi-VN" i="1">
+                        <a:latin typeface="Cambria Math" panose="02040503050406030204" pitchFamily="18" charset="0"/>
+                      </a:rPr>
                       <m:t>𝑇</m:t>
                     </m:r>
                     <m:r>
-                      <a:rPr lang="vi-VN" i="1"/>
+                      <a:rPr lang="vi-VN" i="1">
+                        <a:latin typeface="Cambria Math" panose="02040503050406030204" pitchFamily="18" charset="0"/>
+                      </a:rPr>
                       <m:t>⟩ </m:t>
                     </m:r>
                   </m:oMath>
@@ -9618,51 +9770,75 @@
                 <a14:m>
                   <m:oMath xmlns:m="http://schemas.openxmlformats.org/officeDocument/2006/math">
                     <m:r>
-                      <a:rPr lang="en-VN" i="1"/>
+                      <a:rPr lang="en-VN" i="1">
+                        <a:latin typeface="Cambria Math" panose="02040503050406030204" pitchFamily="18" charset="0"/>
+                      </a:rPr>
                       <m:t>𝑇</m:t>
                     </m:r>
                     <m:r>
-                      <a:rPr lang="en-VN" i="1"/>
+                      <a:rPr lang="en-VN" i="1">
+                        <a:latin typeface="Cambria Math" panose="02040503050406030204" pitchFamily="18" charset="0"/>
+                      </a:rPr>
                       <m:t> </m:t>
                     </m:r>
                     <m:r>
-                      <a:rPr lang="en-VN" i="1"/>
+                      <a:rPr lang="en-VN" i="1">
+                        <a:latin typeface="Cambria Math" panose="02040503050406030204" pitchFamily="18" charset="0"/>
+                      </a:rPr>
                       <m:t>𝑚𝑎𝑥</m:t>
                     </m:r>
                     <m:r>
-                      <a:rPr lang="en-VN" i="1"/>
+                      <a:rPr lang="en-VN" i="1">
+                        <a:latin typeface="Cambria Math" panose="02040503050406030204" pitchFamily="18" charset="0"/>
+                      </a:rPr>
                       <m:t>(</m:t>
                     </m:r>
                     <m:r>
-                      <a:rPr lang="en-VN" i="1"/>
+                      <a:rPr lang="en-VN" i="1">
+                        <a:latin typeface="Cambria Math" panose="02040503050406030204" pitchFamily="18" charset="0"/>
+                      </a:rPr>
                       <m:t>𝑇</m:t>
                     </m:r>
                     <m:r>
-                      <a:rPr lang="en-VN" i="1"/>
+                      <a:rPr lang="en-VN" i="1">
+                        <a:latin typeface="Cambria Math" panose="02040503050406030204" pitchFamily="18" charset="0"/>
+                      </a:rPr>
                       <m:t> </m:t>
                     </m:r>
                     <m:r>
-                      <a:rPr lang="en-VN" i="1"/>
+                      <a:rPr lang="en-VN" i="1">
+                        <a:latin typeface="Cambria Math" panose="02040503050406030204" pitchFamily="18" charset="0"/>
+                      </a:rPr>
                       <m:t>𝑎</m:t>
                     </m:r>
                     <m:r>
-                      <a:rPr lang="en-VN" i="1"/>
+                      <a:rPr lang="en-VN" i="1">
+                        <a:latin typeface="Cambria Math" panose="02040503050406030204" pitchFamily="18" charset="0"/>
+                      </a:rPr>
                       <m:t>, </m:t>
                     </m:r>
                     <m:r>
-                      <a:rPr lang="en-VN" i="1"/>
+                      <a:rPr lang="en-VN" i="1">
+                        <a:latin typeface="Cambria Math" panose="02040503050406030204" pitchFamily="18" charset="0"/>
+                      </a:rPr>
                       <m:t>𝑇</m:t>
                     </m:r>
                     <m:r>
-                      <a:rPr lang="en-VN" i="1"/>
+                      <a:rPr lang="en-VN" i="1">
+                        <a:latin typeface="Cambria Math" panose="02040503050406030204" pitchFamily="18" charset="0"/>
+                      </a:rPr>
                       <m:t> </m:t>
                     </m:r>
                     <m:r>
-                      <a:rPr lang="en-VN" i="1"/>
+                      <a:rPr lang="en-VN" i="1">
+                        <a:latin typeface="Cambria Math" panose="02040503050406030204" pitchFamily="18" charset="0"/>
+                      </a:rPr>
                       <m:t>𝑏</m:t>
                     </m:r>
                     <m:r>
-                      <a:rPr lang="en-VN" i="1"/>
+                      <a:rPr lang="en-VN" i="1">
+                        <a:latin typeface="Cambria Math" panose="02040503050406030204" pitchFamily="18" charset="0"/>
+                      </a:rPr>
                       <m:t>) {</m:t>
                     </m:r>
                   </m:oMath>
@@ -9679,56 +9855,80 @@
                 <a14:m>
                   <m:oMath xmlns:m="http://schemas.openxmlformats.org/officeDocument/2006/math">
                     <m:r>
-                      <a:rPr lang="vi-VN" i="1"/>
+                      <a:rPr lang="vi-VN" i="1">
+                        <a:latin typeface="Cambria Math" panose="02040503050406030204" pitchFamily="18" charset="0"/>
+                      </a:rPr>
                       <m:t>      </m:t>
                     </m:r>
                     <m:r>
-                      <a:rPr lang="en-VN" b="1" i="1"/>
+                      <a:rPr lang="en-VN" b="1" i="1">
+                        <a:latin typeface="Cambria Math" panose="02040503050406030204" pitchFamily="18" charset="0"/>
+                      </a:rPr>
                       <m:t>𝒓𝒆𝒕𝒖𝒓𝒏</m:t>
                     </m:r>
                     <m:r>
-                      <a:rPr lang="en-VN" i="1"/>
+                      <a:rPr lang="en-VN" i="1">
+                        <a:latin typeface="Cambria Math" panose="02040503050406030204" pitchFamily="18" charset="0"/>
+                      </a:rPr>
                       <m:t> </m:t>
                     </m:r>
                     <m:d>
                       <m:dPr>
                         <m:ctrlPr>
-                          <a:rPr lang="en-VN" i="1"/>
+                          <a:rPr lang="en-VN" i="1">
+                            <a:latin typeface="Cambria Math" panose="02040503050406030204" pitchFamily="18" charset="0"/>
+                          </a:rPr>
                         </m:ctrlPr>
                       </m:dPr>
                       <m:e>
                         <m:r>
-                          <a:rPr lang="en-VN" i="1"/>
+                          <a:rPr lang="en-VN" i="1">
+                            <a:latin typeface="Cambria Math" panose="02040503050406030204" pitchFamily="18" charset="0"/>
+                          </a:rPr>
                           <m:t>𝑎</m:t>
                         </m:r>
                         <m:r>
-                          <a:rPr lang="en-VN" i="1"/>
+                          <a:rPr lang="en-VN" i="1">
+                            <a:latin typeface="Cambria Math" panose="02040503050406030204" pitchFamily="18" charset="0"/>
+                          </a:rPr>
                           <m:t> &gt; </m:t>
                         </m:r>
                         <m:r>
-                          <a:rPr lang="en-VN" i="1"/>
+                          <a:rPr lang="en-VN" i="1">
+                            <a:latin typeface="Cambria Math" panose="02040503050406030204" pitchFamily="18" charset="0"/>
+                          </a:rPr>
                           <m:t>𝑏</m:t>
                         </m:r>
                       </m:e>
                     </m:d>
                     <m:r>
-                      <a:rPr lang="en-VN" i="1"/>
+                      <a:rPr lang="en-VN" i="1">
+                        <a:latin typeface="Cambria Math" panose="02040503050406030204" pitchFamily="18" charset="0"/>
+                      </a:rPr>
                       <m:t>? </m:t>
                     </m:r>
                     <m:r>
-                      <a:rPr lang="en-VN" i="1"/>
+                      <a:rPr lang="en-VN" i="1">
+                        <a:latin typeface="Cambria Math" panose="02040503050406030204" pitchFamily="18" charset="0"/>
+                      </a:rPr>
                       <m:t>𝑎</m:t>
                     </m:r>
                     <m:r>
-                      <a:rPr lang="en-VN" i="1"/>
+                      <a:rPr lang="en-VN" i="1">
+                        <a:latin typeface="Cambria Math" panose="02040503050406030204" pitchFamily="18" charset="0"/>
+                      </a:rPr>
                       <m:t> : </m:t>
                     </m:r>
                     <m:r>
-                      <a:rPr lang="en-VN" i="1"/>
+                      <a:rPr lang="en-VN" i="1">
+                        <a:latin typeface="Cambria Math" panose="02040503050406030204" pitchFamily="18" charset="0"/>
+                      </a:rPr>
                       <m:t>𝑏</m:t>
                     </m:r>
                     <m:r>
-                      <a:rPr lang="en-VN" i="1"/>
+                      <a:rPr lang="en-VN" i="1">
+                        <a:latin typeface="Cambria Math" panose="02040503050406030204" pitchFamily="18" charset="0"/>
+                      </a:rPr>
                       <m:t>; </m:t>
                     </m:r>
                   </m:oMath>
@@ -9745,7 +9945,9 @@
                 <a14:m>
                   <m:oMath xmlns:m="http://schemas.openxmlformats.org/officeDocument/2006/math">
                     <m:r>
-                      <a:rPr lang="en-VN" i="1"/>
+                      <a:rPr lang="en-VN" i="1">
+                        <a:latin typeface="Cambria Math" panose="02040503050406030204" pitchFamily="18" charset="0"/>
+                      </a:rPr>
                       <m:t>}</m:t>
                     </m:r>
                   </m:oMath>
@@ -9765,7 +9967,7 @@
             </p:txBody>
           </p:sp>
         </mc:Choice>
-        <mc:Fallback>
+        <mc:Fallback xmlns="">
           <p:sp>
             <p:nvSpPr>
               <p:cNvPr id="6" name="Content Placeholder 2">
@@ -9960,8 +10162,8 @@
           </a:p>
         </p:txBody>
       </p:sp>
-      <mc:AlternateContent xmlns:mc="http://schemas.openxmlformats.org/markup-compatibility/2006">
-        <mc:Choice xmlns:a14="http://schemas.microsoft.com/office/drawing/2010/main" Requires="a14">
+      <mc:AlternateContent xmlns:mc="http://schemas.openxmlformats.org/markup-compatibility/2006" xmlns:a14="http://schemas.microsoft.com/office/drawing/2010/main">
+        <mc:Choice Requires="a14">
           <p:sp>
             <p:nvSpPr>
               <p:cNvPr id="13" name="Content Placeholder 2">
@@ -10163,22 +10365,30 @@
                 <a14:m>
                   <m:oMath xmlns:m="http://schemas.openxmlformats.org/officeDocument/2006/math">
                     <m:r>
-                      <a:rPr lang="vi-VN" i="1"/>
+                      <a:rPr lang="vi-VN" i="1">
+                        <a:latin typeface="Cambria Math" panose="02040503050406030204" pitchFamily="18" charset="0"/>
+                      </a:rPr>
                       <m:t>𝑎</m:t>
                     </m:r>
                     <m:r>
-                      <a:rPr lang="vi-VN" i="1"/>
+                      <a:rPr lang="vi-VN" i="1">
+                        <a:latin typeface="Cambria Math" panose="02040503050406030204" pitchFamily="18" charset="0"/>
+                      </a:rPr>
                       <m:t>=</m:t>
                     </m:r>
                     <m:func>
                       <m:funcPr>
                         <m:ctrlPr>
-                          <a:rPr lang="en-VN" i="1"/>
+                          <a:rPr lang="en-VN" i="1">
+                            <a:latin typeface="Cambria Math" panose="02040503050406030204" pitchFamily="18" charset="0"/>
+                          </a:rPr>
                         </m:ctrlPr>
                       </m:funcPr>
                       <m:fName>
                         <m:r>
-                          <a:rPr lang="vi-VN" i="1"/>
+                          <a:rPr lang="vi-VN" i="1">
+                            <a:latin typeface="Cambria Math" panose="02040503050406030204" pitchFamily="18" charset="0"/>
+                          </a:rPr>
                           <m:t>𝑚𝑎𝑥</m:t>
                         </m:r>
                       </m:fName>
@@ -10186,12 +10396,16 @@
                         <m:d>
                           <m:dPr>
                             <m:ctrlPr>
-                              <a:rPr lang="en-VN" i="1"/>
+                              <a:rPr lang="en-VN" i="1">
+                                <a:latin typeface="Cambria Math" panose="02040503050406030204" pitchFamily="18" charset="0"/>
+                              </a:rPr>
                             </m:ctrlPr>
                           </m:dPr>
                           <m:e>
                             <m:r>
-                              <a:rPr lang="vi-VN" i="1"/>
+                              <a:rPr lang="vi-VN" i="1">
+                                <a:latin typeface="Cambria Math" panose="02040503050406030204" pitchFamily="18" charset="0"/>
+                              </a:rPr>
                               <m:t>3,4</m:t>
                             </m:r>
                           </m:e>
@@ -10213,22 +10427,30 @@
                 <a14:m>
                   <m:oMath xmlns:m="http://schemas.openxmlformats.org/officeDocument/2006/math">
                     <m:r>
-                      <a:rPr lang="vi-VN" i="1"/>
+                      <a:rPr lang="vi-VN" i="1">
+                        <a:latin typeface="Cambria Math" panose="02040503050406030204" pitchFamily="18" charset="0"/>
+                      </a:rPr>
                       <m:t>𝑎</m:t>
                     </m:r>
                     <m:r>
-                      <a:rPr lang="vi-VN" i="1"/>
+                      <a:rPr lang="vi-VN" i="1">
+                        <a:latin typeface="Cambria Math" panose="02040503050406030204" pitchFamily="18" charset="0"/>
+                      </a:rPr>
                       <m:t>=</m:t>
                     </m:r>
                     <m:func>
                       <m:funcPr>
                         <m:ctrlPr>
-                          <a:rPr lang="en-VN" i="1"/>
+                          <a:rPr lang="en-VN" i="1">
+                            <a:latin typeface="Cambria Math" panose="02040503050406030204" pitchFamily="18" charset="0"/>
+                          </a:rPr>
                         </m:ctrlPr>
                       </m:funcPr>
                       <m:fName>
                         <m:r>
-                          <a:rPr lang="vi-VN" i="1"/>
+                          <a:rPr lang="vi-VN" i="1">
+                            <a:latin typeface="Cambria Math" panose="02040503050406030204" pitchFamily="18" charset="0"/>
+                          </a:rPr>
                           <m:t>𝑚𝑎𝑥</m:t>
                         </m:r>
                       </m:fName>
@@ -10236,12 +10458,16 @@
                         <m:d>
                           <m:dPr>
                             <m:ctrlPr>
-                              <a:rPr lang="en-VN" i="1"/>
+                              <a:rPr lang="en-VN" i="1">
+                                <a:latin typeface="Cambria Math" panose="02040503050406030204" pitchFamily="18" charset="0"/>
+                              </a:rPr>
                             </m:ctrlPr>
                           </m:dPr>
                           <m:e>
                             <m:r>
-                              <a:rPr lang="vi-VN" i="1"/>
+                              <a:rPr lang="vi-VN" i="1">
+                                <a:latin typeface="Cambria Math" panose="02040503050406030204" pitchFamily="18" charset="0"/>
+                              </a:rPr>
                               <m:t>3.4,3</m:t>
                             </m:r>
                           </m:e>
@@ -10263,34 +10489,48 @@
                 <a14:m>
                   <m:oMath xmlns:m="http://schemas.openxmlformats.org/officeDocument/2006/math">
                     <m:r>
-                      <a:rPr lang="vi-VN" i="1"/>
+                      <a:rPr lang="vi-VN" i="1">
+                        <a:latin typeface="Cambria Math" panose="02040503050406030204" pitchFamily="18" charset="0"/>
+                      </a:rPr>
                       <m:t>𝑎</m:t>
                     </m:r>
                     <m:r>
-                      <a:rPr lang="vi-VN" i="1"/>
+                      <a:rPr lang="vi-VN" i="1">
+                        <a:latin typeface="Cambria Math" panose="02040503050406030204" pitchFamily="18" charset="0"/>
+                      </a:rPr>
                       <m:t>=</m:t>
                     </m:r>
                     <m:func>
                       <m:funcPr>
                         <m:ctrlPr>
-                          <a:rPr lang="en-VN" i="1"/>
+                          <a:rPr lang="en-VN" i="1">
+                            <a:latin typeface="Cambria Math" panose="02040503050406030204" pitchFamily="18" charset="0"/>
+                          </a:rPr>
                         </m:ctrlPr>
                       </m:funcPr>
                       <m:fName>
                         <m:r>
-                          <a:rPr lang="vi-VN" i="1"/>
+                          <a:rPr lang="vi-VN" i="1">
+                            <a:latin typeface="Cambria Math" panose="02040503050406030204" pitchFamily="18" charset="0"/>
+                          </a:rPr>
                           <m:t>𝑚𝑎𝑥</m:t>
                         </m:r>
                         <m:r>
-                          <a:rPr lang="vi-VN" i="1"/>
+                          <a:rPr lang="vi-VN" i="1">
+                            <a:latin typeface="Cambria Math" panose="02040503050406030204" pitchFamily="18" charset="0"/>
+                          </a:rPr>
                           <m:t>⟨</m:t>
                         </m:r>
                         <m:r>
-                          <a:rPr lang="vi-VN" i="1"/>
+                          <a:rPr lang="vi-VN" i="1">
+                            <a:latin typeface="Cambria Math" panose="02040503050406030204" pitchFamily="18" charset="0"/>
+                          </a:rPr>
                           <m:t>𝑑𝑜𝑢𝑏𝑙𝑒</m:t>
                         </m:r>
                         <m:r>
-                          <a:rPr lang="vi-VN" i="1"/>
+                          <a:rPr lang="vi-VN" i="1">
+                            <a:latin typeface="Cambria Math" panose="02040503050406030204" pitchFamily="18" charset="0"/>
+                          </a:rPr>
                           <m:t>⟩</m:t>
                         </m:r>
                       </m:fName>
@@ -10298,12 +10538,16 @@
                         <m:d>
                           <m:dPr>
                             <m:ctrlPr>
-                              <a:rPr lang="en-VN" i="1"/>
+                              <a:rPr lang="en-VN" i="1">
+                                <a:latin typeface="Cambria Math" panose="02040503050406030204" pitchFamily="18" charset="0"/>
+                              </a:rPr>
                             </m:ctrlPr>
                           </m:dPr>
                           <m:e>
                             <m:r>
-                              <a:rPr lang="vi-VN" i="1"/>
+                              <a:rPr lang="vi-VN" i="1">
+                                <a:latin typeface="Cambria Math" panose="02040503050406030204" pitchFamily="18" charset="0"/>
+                              </a:rPr>
                               <m:t>1,3.2</m:t>
                             </m:r>
                           </m:e>
@@ -10327,7 +10571,7 @@
             </p:txBody>
           </p:sp>
         </mc:Choice>
-        <mc:Fallback>
+        <mc:Fallback xmlns="">
           <p:sp>
             <p:nvSpPr>
               <p:cNvPr id="13" name="Content Placeholder 2">
@@ -11001,8 +11245,8 @@
           </a:p>
         </p:txBody>
       </p:sp>
-      <mc:AlternateContent xmlns:mc="http://schemas.openxmlformats.org/markup-compatibility/2006">
-        <mc:Choice xmlns:a14="http://schemas.microsoft.com/office/drawing/2010/main" Requires="a14">
+      <mc:AlternateContent xmlns:mc="http://schemas.openxmlformats.org/markup-compatibility/2006" xmlns:a14="http://schemas.microsoft.com/office/drawing/2010/main">
+        <mc:Choice Requires="a14">
           <p:sp>
             <p:nvSpPr>
               <p:cNvPr id="6" name="Content Placeholder 2">
@@ -11204,27 +11448,39 @@
                 <a14:m>
                   <m:oMath xmlns:m="http://schemas.openxmlformats.org/officeDocument/2006/math">
                     <m:r>
-                      <a:rPr lang="en-VN" b="1" i="1"/>
+                      <a:rPr lang="en-VN" b="1" i="1">
+                        <a:latin typeface="Cambria Math" panose="02040503050406030204" pitchFamily="18" charset="0"/>
+                      </a:rPr>
                       <m:t>𝒕𝒆𝒎𝒑𝒍𝒂𝒕𝒆</m:t>
                     </m:r>
                     <m:r>
-                      <a:rPr lang="en-VN" i="1"/>
+                      <a:rPr lang="en-VN" i="1">
+                        <a:latin typeface="Cambria Math" panose="02040503050406030204" pitchFamily="18" charset="0"/>
+                      </a:rPr>
                       <m:t>⟨</m:t>
                     </m:r>
                     <m:r>
-                      <a:rPr lang="vi-VN" b="1" i="1"/>
+                      <a:rPr lang="vi-VN" b="1" i="1">
+                        <a:latin typeface="Cambria Math" panose="02040503050406030204" pitchFamily="18" charset="0"/>
+                      </a:rPr>
                       <m:t>𝒕𝒚𝒑𝒆𝒏𝒂𝒎𝒆</m:t>
                     </m:r>
                     <m:r>
-                      <a:rPr lang="vi-VN" i="1"/>
+                      <a:rPr lang="vi-VN" i="1">
+                        <a:latin typeface="Cambria Math" panose="02040503050406030204" pitchFamily="18" charset="0"/>
+                      </a:rPr>
                       <m:t> </m:t>
                     </m:r>
                     <m:r>
-                      <a:rPr lang="en-VN" i="1"/>
+                      <a:rPr lang="en-VN" i="1">
+                        <a:latin typeface="Cambria Math" panose="02040503050406030204" pitchFamily="18" charset="0"/>
+                      </a:rPr>
                       <m:t>𝑇</m:t>
                     </m:r>
                     <m:r>
-                      <a:rPr lang="en-VN" i="1"/>
+                      <a:rPr lang="en-VN" i="1">
+                        <a:latin typeface="Cambria Math" panose="02040503050406030204" pitchFamily="18" charset="0"/>
+                      </a:rPr>
                       <m:t>⟩</m:t>
                     </m:r>
                   </m:oMath>
@@ -11241,19 +11497,27 @@
                 <a14:m>
                   <m:oMath xmlns:m="http://schemas.openxmlformats.org/officeDocument/2006/math">
                     <m:r>
-                      <a:rPr lang="en-VN" b="1" i="1"/>
+                      <a:rPr lang="en-VN" b="1" i="1">
+                        <a:latin typeface="Cambria Math" panose="02040503050406030204" pitchFamily="18" charset="0"/>
+                      </a:rPr>
                       <m:t>𝒄𝒍𝒂𝒔𝒔</m:t>
                     </m:r>
                     <m:r>
-                      <a:rPr lang="en-VN" i="1"/>
+                      <a:rPr lang="en-VN" i="1">
+                        <a:latin typeface="Cambria Math" panose="02040503050406030204" pitchFamily="18" charset="0"/>
+                      </a:rPr>
                       <m:t> </m:t>
                     </m:r>
                     <m:r>
-                      <a:rPr lang="en-VN" i="1"/>
+                      <a:rPr lang="en-VN" i="1">
+                        <a:latin typeface="Cambria Math" panose="02040503050406030204" pitchFamily="18" charset="0"/>
+                      </a:rPr>
                       <m:t>𝑆𝑡𝑎𝑐𝑘</m:t>
                     </m:r>
                     <m:r>
-                      <a:rPr lang="en-VN" i="1"/>
+                      <a:rPr lang="en-VN" i="1">
+                        <a:latin typeface="Cambria Math" panose="02040503050406030204" pitchFamily="18" charset="0"/>
+                      </a:rPr>
                       <m:t> { </m:t>
                     </m:r>
                   </m:oMath>
@@ -11270,15 +11534,21 @@
                 <a14:m>
                   <m:oMath xmlns:m="http://schemas.openxmlformats.org/officeDocument/2006/math">
                     <m:r>
-                      <a:rPr lang="vi-VN" i="1"/>
+                      <a:rPr lang="vi-VN" i="1">
+                        <a:latin typeface="Cambria Math" panose="02040503050406030204" pitchFamily="18" charset="0"/>
+                      </a:rPr>
                       <m:t>      </m:t>
                     </m:r>
                     <m:r>
-                      <a:rPr lang="en-VN" b="1" i="1"/>
+                      <a:rPr lang="en-VN" b="1" i="1">
+                        <a:latin typeface="Cambria Math" panose="02040503050406030204" pitchFamily="18" charset="0"/>
+                      </a:rPr>
                       <m:t>𝒑𝒓𝒊𝒗𝒂𝒕𝒆</m:t>
                     </m:r>
                     <m:r>
-                      <a:rPr lang="en-VN" i="1"/>
+                      <a:rPr lang="en-VN" i="1">
+                        <a:latin typeface="Cambria Math" panose="02040503050406030204" pitchFamily="18" charset="0"/>
+                      </a:rPr>
                       <m:t>: </m:t>
                     </m:r>
                   </m:oMath>
@@ -11295,7 +11565,9 @@
                 <a14:m>
                   <m:oMath xmlns:m="http://schemas.openxmlformats.org/officeDocument/2006/math">
                     <m:r>
-                      <a:rPr lang="vi-VN" i="1"/>
+                      <a:rPr lang="vi-VN" i="1">
+                        <a:latin typeface="Cambria Math" panose="02040503050406030204" pitchFamily="18" charset="0"/>
+                      </a:rPr>
                       <m:t>      </m:t>
                     </m:r>
                     <m:r>
@@ -11305,27 +11577,39 @@
                       <m:t>      </m:t>
                     </m:r>
                     <m:r>
-                      <a:rPr lang="en-VN" i="1"/>
+                      <a:rPr lang="en-VN" i="1">
+                        <a:latin typeface="Cambria Math" panose="02040503050406030204" pitchFamily="18" charset="0"/>
+                      </a:rPr>
                       <m:t>𝑠𝑡𝑑</m:t>
                     </m:r>
                     <m:r>
-                      <a:rPr lang="en-VN" i="1"/>
+                      <a:rPr lang="en-VN" i="1">
+                        <a:latin typeface="Cambria Math" panose="02040503050406030204" pitchFamily="18" charset="0"/>
+                      </a:rPr>
                       <m:t>∷</m:t>
                     </m:r>
                     <m:r>
-                      <a:rPr lang="en-VN" i="1"/>
+                      <a:rPr lang="en-VN" i="1">
+                        <a:latin typeface="Cambria Math" panose="02040503050406030204" pitchFamily="18" charset="0"/>
+                      </a:rPr>
                       <m:t>𝑣𝑒𝑐𝑡𝑜𝑟</m:t>
                     </m:r>
                     <m:r>
-                      <a:rPr lang="en-VN" i="1"/>
+                      <a:rPr lang="en-VN" i="1">
+                        <a:latin typeface="Cambria Math" panose="02040503050406030204" pitchFamily="18" charset="0"/>
+                      </a:rPr>
                       <m:t> </m:t>
                     </m:r>
                     <m:r>
-                      <a:rPr lang="en-VN" i="1"/>
+                      <a:rPr lang="en-VN" i="1">
+                        <a:latin typeface="Cambria Math" panose="02040503050406030204" pitchFamily="18" charset="0"/>
+                      </a:rPr>
                       <m:t>𝑒𝑙𝑒𝑚𝑒𝑛𝑡𝑠</m:t>
                     </m:r>
                     <m:r>
-                      <a:rPr lang="en-VN" i="1"/>
+                      <a:rPr lang="en-VN" i="1">
+                        <a:latin typeface="Cambria Math" panose="02040503050406030204" pitchFamily="18" charset="0"/>
+                      </a:rPr>
                       <m:t>;</m:t>
                     </m:r>
                   </m:oMath>
@@ -11342,15 +11626,21 @@
                 <a14:m>
                   <m:oMath xmlns:m="http://schemas.openxmlformats.org/officeDocument/2006/math">
                     <m:r>
-                      <a:rPr lang="vi-VN" i="1"/>
+                      <a:rPr lang="vi-VN" i="1">
+                        <a:latin typeface="Cambria Math" panose="02040503050406030204" pitchFamily="18" charset="0"/>
+                      </a:rPr>
                       <m:t>      </m:t>
                     </m:r>
                     <m:r>
-                      <a:rPr lang="en-VN" b="1" i="1"/>
+                      <a:rPr lang="en-VN" b="1" i="1">
+                        <a:latin typeface="Cambria Math" panose="02040503050406030204" pitchFamily="18" charset="0"/>
+                      </a:rPr>
                       <m:t>𝒑𝒖𝒃𝒍𝒊𝒄</m:t>
                     </m:r>
                     <m:r>
-                      <a:rPr lang="en-VN" i="1"/>
+                      <a:rPr lang="en-VN" i="1">
+                        <a:latin typeface="Cambria Math" panose="02040503050406030204" pitchFamily="18" charset="0"/>
+                      </a:rPr>
                       <m:t>: </m:t>
                     </m:r>
                   </m:oMath>
@@ -11367,52 +11657,74 @@
                 <a14:m>
                   <m:oMath xmlns:m="http://schemas.openxmlformats.org/officeDocument/2006/math">
                     <m:r>
-                      <a:rPr lang="vi-VN" i="1"/>
+                      <a:rPr lang="vi-VN" i="1">
+                        <a:latin typeface="Cambria Math" panose="02040503050406030204" pitchFamily="18" charset="0"/>
+                      </a:rPr>
                       <m:t>            </m:t>
                     </m:r>
                     <m:r>
-                      <a:rPr lang="en-VN" b="1" i="1"/>
+                      <a:rPr lang="en-VN" b="1" i="1">
+                        <a:latin typeface="Cambria Math" panose="02040503050406030204" pitchFamily="18" charset="0"/>
+                      </a:rPr>
                       <m:t>𝒗𝒐𝒊𝒅</m:t>
                     </m:r>
                     <m:r>
-                      <a:rPr lang="en-VN" i="1"/>
+                      <a:rPr lang="en-VN" i="1">
+                        <a:latin typeface="Cambria Math" panose="02040503050406030204" pitchFamily="18" charset="0"/>
+                      </a:rPr>
                       <m:t> </m:t>
                     </m:r>
                     <m:r>
-                      <a:rPr lang="en-VN" i="1"/>
+                      <a:rPr lang="en-VN" i="1">
+                        <a:latin typeface="Cambria Math" panose="02040503050406030204" pitchFamily="18" charset="0"/>
+                      </a:rPr>
                       <m:t>𝑝𝑢𝑠h</m:t>
                     </m:r>
                     <m:d>
                       <m:dPr>
                         <m:ctrlPr>
-                          <a:rPr lang="en-VN" i="1"/>
+                          <a:rPr lang="en-VN" i="1">
+                            <a:latin typeface="Cambria Math" panose="02040503050406030204" pitchFamily="18" charset="0"/>
+                          </a:rPr>
                         </m:ctrlPr>
                       </m:dPr>
                       <m:e>
                         <m:r>
-                          <a:rPr lang="en-VN" b="1" i="1"/>
+                          <a:rPr lang="en-VN" b="1" i="1">
+                            <a:latin typeface="Cambria Math" panose="02040503050406030204" pitchFamily="18" charset="0"/>
+                          </a:rPr>
                           <m:t>𝒄𝒐𝒏𝒔𝒕</m:t>
                         </m:r>
                         <m:r>
-                          <a:rPr lang="en-VN" i="1"/>
+                          <a:rPr lang="en-VN" i="1">
+                            <a:latin typeface="Cambria Math" panose="02040503050406030204" pitchFamily="18" charset="0"/>
+                          </a:rPr>
                           <m:t> </m:t>
                         </m:r>
                         <m:r>
-                          <a:rPr lang="en-VN" i="1"/>
+                          <a:rPr lang="en-VN" i="1">
+                            <a:latin typeface="Cambria Math" panose="02040503050406030204" pitchFamily="18" charset="0"/>
+                          </a:rPr>
                           <m:t>𝑇</m:t>
                         </m:r>
                         <m:r>
-                          <a:rPr lang="en-VN" i="1"/>
+                          <a:rPr lang="en-VN" i="1">
+                            <a:latin typeface="Cambria Math" panose="02040503050406030204" pitchFamily="18" charset="0"/>
+                          </a:rPr>
                           <m:t>&amp; </m:t>
                         </m:r>
                         <m:r>
-                          <a:rPr lang="en-VN" i="1"/>
+                          <a:rPr lang="en-VN" i="1">
+                            <a:latin typeface="Cambria Math" panose="02040503050406030204" pitchFamily="18" charset="0"/>
+                          </a:rPr>
                           <m:t>𝑖𝑡𝑒𝑚</m:t>
                         </m:r>
                       </m:e>
                     </m:d>
                     <m:r>
-                      <a:rPr lang="en-VN" i="1"/>
+                      <a:rPr lang="en-VN" i="1">
+                        <a:latin typeface="Cambria Math" panose="02040503050406030204" pitchFamily="18" charset="0"/>
+                      </a:rPr>
                       <m:t>;</m:t>
                     </m:r>
                   </m:oMath>
@@ -11429,36 +11741,50 @@
                 <a14:m>
                   <m:oMath xmlns:m="http://schemas.openxmlformats.org/officeDocument/2006/math">
                     <m:r>
-                      <a:rPr lang="vi-VN" i="1"/>
+                      <a:rPr lang="vi-VN" i="1">
+                        <a:latin typeface="Cambria Math" panose="02040503050406030204" pitchFamily="18" charset="0"/>
+                      </a:rPr>
                       <m:t>            </m:t>
                     </m:r>
                     <m:r>
-                      <a:rPr lang="en-VN" i="1"/>
+                      <a:rPr lang="en-VN" i="1">
+                        <a:latin typeface="Cambria Math" panose="02040503050406030204" pitchFamily="18" charset="0"/>
+                      </a:rPr>
                       <m:t>𝑇</m:t>
                     </m:r>
                     <m:r>
-                      <a:rPr lang="en-VN" i="1"/>
+                      <a:rPr lang="en-VN" i="1">
+                        <a:latin typeface="Cambria Math" panose="02040503050406030204" pitchFamily="18" charset="0"/>
+                      </a:rPr>
                       <m:t> </m:t>
                     </m:r>
                     <m:r>
-                      <a:rPr lang="en-VN" i="1"/>
+                      <a:rPr lang="en-VN" i="1">
+                        <a:latin typeface="Cambria Math" panose="02040503050406030204" pitchFamily="18" charset="0"/>
+                      </a:rPr>
                       <m:t>𝑝𝑜𝑝</m:t>
                     </m:r>
                     <m:d>
                       <m:dPr>
                         <m:ctrlPr>
-                          <a:rPr lang="en-VN" i="1"/>
+                          <a:rPr lang="en-VN" i="1">
+                            <a:latin typeface="Cambria Math" panose="02040503050406030204" pitchFamily="18" charset="0"/>
+                          </a:rPr>
                         </m:ctrlPr>
                       </m:dPr>
                       <m:e>
                         <m:r>
-                          <a:rPr lang="en-VN" i="1"/>
+                          <a:rPr lang="en-VN" i="1">
+                            <a:latin typeface="Cambria Math" panose="02040503050406030204" pitchFamily="18" charset="0"/>
+                          </a:rPr>
                           <m:t> </m:t>
                         </m:r>
                       </m:e>
                     </m:d>
                     <m:r>
-                      <a:rPr lang="en-VN" i="1"/>
+                      <a:rPr lang="en-VN" i="1">
+                        <a:latin typeface="Cambria Math" panose="02040503050406030204" pitchFamily="18" charset="0"/>
+                      </a:rPr>
                       <m:t>; </m:t>
                     </m:r>
                   </m:oMath>
@@ -11479,44 +11805,62 @@
                 <a14:m>
                   <m:oMath xmlns:m="http://schemas.openxmlformats.org/officeDocument/2006/math">
                     <m:r>
-                      <a:rPr lang="vi-VN" i="1"/>
+                      <a:rPr lang="vi-VN" i="1">
+                        <a:latin typeface="Cambria Math" panose="02040503050406030204" pitchFamily="18" charset="0"/>
+                      </a:rPr>
                       <m:t>     </m:t>
                     </m:r>
                     <m:r>
-                      <a:rPr lang="en-VN" b="1" i="1"/>
+                      <a:rPr lang="en-VN" b="1" i="1">
+                        <a:latin typeface="Cambria Math" panose="02040503050406030204" pitchFamily="18" charset="0"/>
+                      </a:rPr>
                       <m:t>𝒃𝒐𝒐𝒍</m:t>
                     </m:r>
                     <m:r>
-                      <a:rPr lang="en-VN" i="1"/>
+                      <a:rPr lang="en-VN" i="1">
+                        <a:latin typeface="Cambria Math" panose="02040503050406030204" pitchFamily="18" charset="0"/>
+                      </a:rPr>
                       <m:t> </m:t>
                     </m:r>
                     <m:r>
-                      <a:rPr lang="en-VN" i="1"/>
+                      <a:rPr lang="en-VN" i="1">
+                        <a:latin typeface="Cambria Math" panose="02040503050406030204" pitchFamily="18" charset="0"/>
+                      </a:rPr>
                       <m:t>𝑖𝑠𝐸𝑚𝑝𝑡𝑦</m:t>
                     </m:r>
                     <m:d>
                       <m:dPr>
                         <m:ctrlPr>
-                          <a:rPr lang="en-VN" i="1"/>
+                          <a:rPr lang="en-VN" i="1">
+                            <a:latin typeface="Cambria Math" panose="02040503050406030204" pitchFamily="18" charset="0"/>
+                          </a:rPr>
                         </m:ctrlPr>
                       </m:dPr>
                       <m:e>
                         <m:r>
-                          <a:rPr lang="en-VN" i="1"/>
+                          <a:rPr lang="en-VN" i="1">
+                            <a:latin typeface="Cambria Math" panose="02040503050406030204" pitchFamily="18" charset="0"/>
+                          </a:rPr>
                           <m:t> </m:t>
                         </m:r>
                       </m:e>
                     </m:d>
                     <m:r>
-                      <a:rPr lang="en-VN" i="1"/>
+                      <a:rPr lang="en-VN" i="1">
+                        <a:latin typeface="Cambria Math" panose="02040503050406030204" pitchFamily="18" charset="0"/>
+                      </a:rPr>
                       <m:t> </m:t>
                     </m:r>
                     <m:r>
-                      <a:rPr lang="en-VN" b="1" i="1"/>
+                      <a:rPr lang="en-VN" b="1" i="1">
+                        <a:latin typeface="Cambria Math" panose="02040503050406030204" pitchFamily="18" charset="0"/>
+                      </a:rPr>
                       <m:t>𝒄𝒐𝒏𝒔𝒕</m:t>
                     </m:r>
                     <m:r>
-                      <a:rPr lang="en-VN" i="1"/>
+                      <a:rPr lang="en-VN" i="1">
+                        <a:latin typeface="Cambria Math" panose="02040503050406030204" pitchFamily="18" charset="0"/>
+                      </a:rPr>
                       <m:t>; </m:t>
                     </m:r>
                   </m:oMath>
@@ -11533,7 +11877,9 @@
                 <a14:m>
                   <m:oMath xmlns:m="http://schemas.openxmlformats.org/officeDocument/2006/math">
                     <m:r>
-                      <a:rPr lang="en-VN" i="1"/>
+                      <a:rPr lang="en-VN" i="1">
+                        <a:latin typeface="Cambria Math" panose="02040503050406030204" pitchFamily="18" charset="0"/>
+                      </a:rPr>
                       <m:t>};</m:t>
                     </m:r>
                   </m:oMath>
@@ -11553,7 +11899,7 @@
             </p:txBody>
           </p:sp>
         </mc:Choice>
-        <mc:Fallback>
+        <mc:Fallback xmlns="">
           <p:sp>
             <p:nvSpPr>
               <p:cNvPr id="6" name="Content Placeholder 2">
@@ -11646,8 +11992,8 @@
           </a:fontRef>
         </p:style>
       </p:cxnSp>
-      <mc:AlternateContent xmlns:mc="http://schemas.openxmlformats.org/markup-compatibility/2006">
-        <mc:Choice xmlns:a14="http://schemas.microsoft.com/office/drawing/2010/main" Requires="a14">
+      <mc:AlternateContent xmlns:mc="http://schemas.openxmlformats.org/markup-compatibility/2006" xmlns:a14="http://schemas.microsoft.com/office/drawing/2010/main">
+        <mc:Choice Requires="a14">
           <p:sp>
             <p:nvSpPr>
               <p:cNvPr id="11" name="Content Placeholder 2">
@@ -11849,7 +12195,9 @@
                 <a14:m>
                   <m:oMath xmlns:m="http://schemas.openxmlformats.org/officeDocument/2006/math">
                     <m:r>
-                      <a:rPr lang="en-VN" i="1"/>
+                      <a:rPr lang="en-VN" i="1">
+                        <a:latin typeface="Cambria Math" panose="02040503050406030204" pitchFamily="18" charset="0"/>
+                      </a:rPr>
                       <m:t>𝑆𝑡𝑎𝑐𝑘</m:t>
                     </m:r>
                     <m:d>
@@ -11857,26 +12205,36 @@
                         <m:begChr m:val="⟨"/>
                         <m:endChr m:val="⟩"/>
                         <m:ctrlPr>
-                          <a:rPr lang="en-VN" i="1"/>
+                          <a:rPr lang="en-VN" i="1">
+                            <a:latin typeface="Cambria Math" panose="02040503050406030204" pitchFamily="18" charset="0"/>
+                          </a:rPr>
                         </m:ctrlPr>
                       </m:dPr>
                       <m:e>
                         <m:r>
-                          <a:rPr lang="en-VN" b="1" i="1"/>
+                          <a:rPr lang="en-VN" b="1" i="1">
+                            <a:latin typeface="Cambria Math" panose="02040503050406030204" pitchFamily="18" charset="0"/>
+                          </a:rPr>
                           <m:t>𝒊𝒏𝒕</m:t>
                         </m:r>
                       </m:e>
                     </m:d>
                     <m:r>
-                      <a:rPr lang="en-VN" i="1"/>
+                      <a:rPr lang="en-VN" i="1">
+                        <a:latin typeface="Cambria Math" panose="02040503050406030204" pitchFamily="18" charset="0"/>
+                      </a:rPr>
                       <m:t> </m:t>
                     </m:r>
                     <m:r>
-                      <a:rPr lang="vi-VN" i="1"/>
+                      <a:rPr lang="vi-VN" i="1">
+                        <a:latin typeface="Cambria Math" panose="02040503050406030204" pitchFamily="18" charset="0"/>
+                      </a:rPr>
                       <m:t>𝑠𝑡𝑘𝐼𝑛𝑡</m:t>
                     </m:r>
                     <m:r>
-                      <a:rPr lang="en-VN" i="1"/>
+                      <a:rPr lang="en-VN" i="1">
+                        <a:latin typeface="Cambria Math" panose="02040503050406030204" pitchFamily="18" charset="0"/>
+                      </a:rPr>
                       <m:t>;</m:t>
                     </m:r>
                   </m:oMath>
@@ -11893,7 +12251,9 @@
                 <a14:m>
                   <m:oMath xmlns:m="http://schemas.openxmlformats.org/officeDocument/2006/math">
                     <m:r>
-                      <a:rPr lang="vi-VN" i="1"/>
+                      <a:rPr lang="vi-VN" i="1">
+                        <a:latin typeface="Cambria Math" panose="02040503050406030204" pitchFamily="18" charset="0"/>
+                      </a:rPr>
                       <m:t>𝑆𝑡𝑎𝑐𝑘</m:t>
                     </m:r>
                     <m:d>
@@ -11901,26 +12261,36 @@
                         <m:begChr m:val="⟨"/>
                         <m:endChr m:val="⟩"/>
                         <m:ctrlPr>
-                          <a:rPr lang="en-VN" i="1"/>
+                          <a:rPr lang="en-VN" i="1">
+                            <a:latin typeface="Cambria Math" panose="02040503050406030204" pitchFamily="18" charset="0"/>
+                          </a:rPr>
                         </m:ctrlPr>
                       </m:dPr>
                       <m:e>
                         <m:r>
-                          <a:rPr lang="vi-VN" b="1" i="1"/>
+                          <a:rPr lang="vi-VN" b="1" i="1">
+                            <a:latin typeface="Cambria Math" panose="02040503050406030204" pitchFamily="18" charset="0"/>
+                          </a:rPr>
                           <m:t>𝒅𝒐𝒖𝒃𝒍𝒆</m:t>
                         </m:r>
                       </m:e>
                     </m:d>
                     <m:r>
-                      <a:rPr lang="vi-VN" i="1"/>
+                      <a:rPr lang="vi-VN" i="1">
+                        <a:latin typeface="Cambria Math" panose="02040503050406030204" pitchFamily="18" charset="0"/>
+                      </a:rPr>
                       <m:t> </m:t>
                     </m:r>
                     <m:r>
-                      <a:rPr lang="vi-VN" i="1"/>
+                      <a:rPr lang="vi-VN" i="1">
+                        <a:latin typeface="Cambria Math" panose="02040503050406030204" pitchFamily="18" charset="0"/>
+                      </a:rPr>
                       <m:t>𝑠𝑡𝑘𝐷𝑜𝑢𝑏𝑙𝑒</m:t>
                     </m:r>
                     <m:r>
-                      <a:rPr lang="vi-VN" i="1"/>
+                      <a:rPr lang="vi-VN" i="1">
+                        <a:latin typeface="Cambria Math" panose="02040503050406030204" pitchFamily="18" charset="0"/>
+                      </a:rPr>
                       <m:t>;</m:t>
                     </m:r>
                   </m:oMath>
@@ -11940,7 +12310,7 @@
             </p:txBody>
           </p:sp>
         </mc:Choice>
-        <mc:Fallback>
+        <mc:Fallback xmlns="">
           <p:sp>
             <p:nvSpPr>
               <p:cNvPr id="11" name="Content Placeholder 2">
@@ -12085,8 +12455,8 @@
           </a:p>
         </p:txBody>
       </p:sp>
-      <mc:AlternateContent xmlns:mc="http://schemas.openxmlformats.org/markup-compatibility/2006">
-        <mc:Choice xmlns:a14="http://schemas.microsoft.com/office/drawing/2010/main" Requires="a14">
+      <mc:AlternateContent xmlns:mc="http://schemas.openxmlformats.org/markup-compatibility/2006" xmlns:a14="http://schemas.microsoft.com/office/drawing/2010/main">
+        <mc:Choice Requires="a14">
           <p:sp>
             <p:nvSpPr>
               <p:cNvPr id="6" name="Content Placeholder 2">
@@ -12294,7 +12664,9 @@
                 <a14:m>
                   <m:oMath xmlns:m="http://schemas.openxmlformats.org/officeDocument/2006/math">
                     <m:r>
-                      <a:rPr lang="en-VN" b="1" i="1"/>
+                      <a:rPr lang="en-VN" b="1" i="1">
+                        <a:latin typeface="Cambria Math" panose="02040503050406030204" pitchFamily="18" charset="0"/>
+                      </a:rPr>
                       <m:t>𝒕𝒆𝒎𝒑𝒍𝒂𝒕𝒆</m:t>
                     </m:r>
                     <m:r>
@@ -12358,7 +12730,9 @@
                       <m:t>⟩</m:t>
                     </m:r>
                     <m:r>
-                      <a:rPr lang="en-VN" i="1"/>
+                      <a:rPr lang="en-VN" i="1">
+                        <a:latin typeface="Cambria Math" panose="02040503050406030204" pitchFamily="18" charset="0"/>
+                      </a:rPr>
                       <m:t> </m:t>
                     </m:r>
                   </m:oMath>
@@ -12375,11 +12749,15 @@
                 <a14:m>
                   <m:oMath xmlns:m="http://schemas.openxmlformats.org/officeDocument/2006/math">
                     <m:r>
-                      <a:rPr lang="en-VN" b="1" i="1"/>
+                      <a:rPr lang="en-VN" b="1" i="1">
+                        <a:latin typeface="Cambria Math" panose="02040503050406030204" pitchFamily="18" charset="0"/>
+                      </a:rPr>
                       <m:t>𝒄𝒍𝒂𝒔𝒔</m:t>
                     </m:r>
                     <m:r>
-                      <a:rPr lang="en-VN" i="1"/>
+                      <a:rPr lang="en-VN" i="1">
+                        <a:latin typeface="Cambria Math" panose="02040503050406030204" pitchFamily="18" charset="0"/>
+                      </a:rPr>
                       <m:t> </m:t>
                     </m:r>
                     <m:r>
@@ -12389,7 +12767,9 @@
                       <m:t>𝐴𝑟𝑟</m:t>
                     </m:r>
                     <m:r>
-                      <a:rPr lang="en-VN" i="1"/>
+                      <a:rPr lang="en-VN" i="1">
+                        <a:latin typeface="Cambria Math" panose="02040503050406030204" pitchFamily="18" charset="0"/>
+                      </a:rPr>
                       <m:t> { </m:t>
                     </m:r>
                   </m:oMath>
@@ -12406,15 +12786,21 @@
                 <a14:m>
                   <m:oMath xmlns:m="http://schemas.openxmlformats.org/officeDocument/2006/math">
                     <m:r>
-                      <a:rPr lang="vi-VN" i="1"/>
+                      <a:rPr lang="vi-VN" i="1">
+                        <a:latin typeface="Cambria Math" panose="02040503050406030204" pitchFamily="18" charset="0"/>
+                      </a:rPr>
                       <m:t>      </m:t>
                     </m:r>
                     <m:r>
-                      <a:rPr lang="en-VN" b="1" i="1"/>
+                      <a:rPr lang="en-VN" b="1" i="1">
+                        <a:latin typeface="Cambria Math" panose="02040503050406030204" pitchFamily="18" charset="0"/>
+                      </a:rPr>
                       <m:t>𝒑𝒓𝒊𝒗𝒂𝒕𝒆</m:t>
                     </m:r>
                     <m:r>
-                      <a:rPr lang="en-VN" i="1"/>
+                      <a:rPr lang="en-VN" i="1">
+                        <a:latin typeface="Cambria Math" panose="02040503050406030204" pitchFamily="18" charset="0"/>
+                      </a:rPr>
                       <m:t>: </m:t>
                     </m:r>
                   </m:oMath>
@@ -12437,15 +12823,21 @@
                       <m:t>            </m:t>
                     </m:r>
                     <m:r>
-                      <a:rPr lang="en-VN" i="1"/>
+                      <a:rPr lang="en-VN" i="1">
+                        <a:latin typeface="Cambria Math" panose="02040503050406030204" pitchFamily="18" charset="0"/>
+                      </a:rPr>
                       <m:t>𝑇</m:t>
                     </m:r>
                     <m:r>
-                      <a:rPr lang="en-VN" i="1"/>
+                      <a:rPr lang="en-VN" i="1">
+                        <a:latin typeface="Cambria Math" panose="02040503050406030204" pitchFamily="18" charset="0"/>
+                      </a:rPr>
                       <m:t> </m:t>
                     </m:r>
                     <m:r>
-                      <a:rPr lang="en-VN" i="1"/>
+                      <a:rPr lang="en-VN" i="1">
+                        <a:latin typeface="Cambria Math" panose="02040503050406030204" pitchFamily="18" charset="0"/>
+                      </a:rPr>
                       <m:t>𝑑𝑎𝑡𝑎</m:t>
                     </m:r>
                     <m:d>
@@ -12453,18 +12845,24 @@
                         <m:begChr m:val="["/>
                         <m:endChr m:val="]"/>
                         <m:ctrlPr>
-                          <a:rPr lang="en-VN" i="1"/>
+                          <a:rPr lang="en-VN" i="1">
+                            <a:latin typeface="Cambria Math" panose="02040503050406030204" pitchFamily="18" charset="0"/>
+                          </a:rPr>
                         </m:ctrlPr>
                       </m:dPr>
                       <m:e>
                         <m:r>
-                          <a:rPr lang="en-VN" i="1"/>
+                          <a:rPr lang="en-VN" i="1">
+                            <a:latin typeface="Cambria Math" panose="02040503050406030204" pitchFamily="18" charset="0"/>
+                          </a:rPr>
                           <m:t>𝑆𝐼𝑍𝐸</m:t>
                         </m:r>
                       </m:e>
                     </m:d>
                     <m:r>
-                      <a:rPr lang="en-VN" i="1"/>
+                      <a:rPr lang="en-VN" i="1">
+                        <a:latin typeface="Cambria Math" panose="02040503050406030204" pitchFamily="18" charset="0"/>
+                      </a:rPr>
                       <m:t>;</m:t>
                     </m:r>
                   </m:oMath>
@@ -12481,7 +12879,9 @@
                 <a14:m>
                   <m:oMath xmlns:m="http://schemas.openxmlformats.org/officeDocument/2006/math">
                     <m:r>
-                      <a:rPr lang="vi-VN" i="1"/>
+                      <a:rPr lang="vi-VN" i="1">
+                        <a:latin typeface="Cambria Math" panose="02040503050406030204" pitchFamily="18" charset="0"/>
+                      </a:rPr>
                       <m:t>}</m:t>
                     </m:r>
                   </m:oMath>
@@ -12495,7 +12895,7 @@
             </p:txBody>
           </p:sp>
         </mc:Choice>
-        <mc:Fallback>
+        <mc:Fallback xmlns="">
           <p:sp>
             <p:nvSpPr>
               <p:cNvPr id="6" name="Content Placeholder 2">
@@ -12540,8 +12940,8 @@
           </p:sp>
         </mc:Fallback>
       </mc:AlternateContent>
-      <mc:AlternateContent xmlns:mc="http://schemas.openxmlformats.org/markup-compatibility/2006">
-        <mc:Choice xmlns:a14="http://schemas.microsoft.com/office/drawing/2010/main" Requires="a14">
+      <mc:AlternateContent xmlns:mc="http://schemas.openxmlformats.org/markup-compatibility/2006" xmlns:a14="http://schemas.microsoft.com/office/drawing/2010/main">
+        <mc:Choice Requires="a14">
           <p:sp>
             <p:nvSpPr>
               <p:cNvPr id="11" name="Content Placeholder 2">
@@ -12753,12 +13153,16 @@
                         <m:begChr m:val="⟨"/>
                         <m:endChr m:val="⟩"/>
                         <m:ctrlPr>
-                          <a:rPr lang="en-VN" i="1"/>
+                          <a:rPr lang="en-VN" i="1">
+                            <a:latin typeface="Cambria Math" panose="02040503050406030204" pitchFamily="18" charset="0"/>
+                          </a:rPr>
                         </m:ctrlPr>
                       </m:dPr>
                       <m:e>
                         <m:r>
-                          <a:rPr lang="en-VN" b="1" i="1"/>
+                          <a:rPr lang="en-VN" b="1" i="1">
+                            <a:latin typeface="Cambria Math" panose="02040503050406030204" pitchFamily="18" charset="0"/>
+                          </a:rPr>
                           <m:t>𝒊𝒏𝒕</m:t>
                         </m:r>
                         <m:r>
@@ -12776,21 +13180,21 @@
                       </m:e>
                     </m:d>
                     <m:r>
-                      <a:rPr lang="en-VN" i="1"/>
+                      <a:rPr lang="en-VN" i="1">
+                        <a:latin typeface="Cambria Math" panose="02040503050406030204" pitchFamily="18" charset="0"/>
+                      </a:rPr>
                       <m:t> </m:t>
                     </m:r>
                     <m:r>
                       <a:rPr lang="vi-VN" i="1">
                         <a:latin typeface="Cambria Math" panose="02040503050406030204" pitchFamily="18" charset="0"/>
                       </a:rPr>
-                      <m:t>𝑎𝑟𝑟</m:t>
-                    </m:r>
-                    <m:r>
-                      <a:rPr lang="vi-VN" i="1"/>
-                      <m:t>𝐼𝑛𝑡</m:t>
-                    </m:r>
-                    <m:r>
-                      <a:rPr lang="en-VN" i="1"/>
+                      <m:t>𝑎𝑟𝑟𝐼𝑛𝑡</m:t>
+                    </m:r>
+                    <m:r>
+                      <a:rPr lang="en-VN" i="1">
+                        <a:latin typeface="Cambria Math" panose="02040503050406030204" pitchFamily="18" charset="0"/>
+                      </a:rPr>
                       <m:t>;</m:t>
                     </m:r>
                   </m:oMath>
@@ -12817,12 +13221,16 @@
                         <m:begChr m:val="⟨"/>
                         <m:endChr m:val="⟩"/>
                         <m:ctrlPr>
-                          <a:rPr lang="en-VN" i="1"/>
+                          <a:rPr lang="en-VN" i="1">
+                            <a:latin typeface="Cambria Math" panose="02040503050406030204" pitchFamily="18" charset="0"/>
+                          </a:rPr>
                         </m:ctrlPr>
                       </m:dPr>
                       <m:e>
                         <m:r>
-                          <a:rPr lang="vi-VN" b="1" i="1"/>
+                          <a:rPr lang="vi-VN" b="1" i="1">
+                            <a:latin typeface="Cambria Math" panose="02040503050406030204" pitchFamily="18" charset="0"/>
+                          </a:rPr>
                           <m:t>𝒅𝒐𝒖𝒃𝒍𝒆</m:t>
                         </m:r>
                         <m:r>
@@ -12840,21 +13248,21 @@
                       </m:e>
                     </m:d>
                     <m:r>
-                      <a:rPr lang="vi-VN" i="1"/>
+                      <a:rPr lang="vi-VN" i="1">
+                        <a:latin typeface="Cambria Math" panose="02040503050406030204" pitchFamily="18" charset="0"/>
+                      </a:rPr>
                       <m:t> </m:t>
                     </m:r>
                     <m:r>
                       <a:rPr lang="vi-VN" i="1">
                         <a:latin typeface="Cambria Math" panose="02040503050406030204" pitchFamily="18" charset="0"/>
                       </a:rPr>
-                      <m:t>𝑎𝑟𝑟</m:t>
-                    </m:r>
-                    <m:r>
-                      <a:rPr lang="vi-VN" i="1"/>
-                      <m:t>𝐷𝑜𝑢𝑏𝑙𝑒</m:t>
-                    </m:r>
-                    <m:r>
-                      <a:rPr lang="vi-VN" i="1"/>
+                      <m:t>𝑎𝑟𝑟𝐷𝑜𝑢𝑏𝑙𝑒</m:t>
+                    </m:r>
+                    <m:r>
+                      <a:rPr lang="vi-VN" i="1">
+                        <a:latin typeface="Cambria Math" panose="02040503050406030204" pitchFamily="18" charset="0"/>
+                      </a:rPr>
                       <m:t>;</m:t>
                     </m:r>
                   </m:oMath>
@@ -12868,7 +13276,7 @@
             </p:txBody>
           </p:sp>
         </mc:Choice>
-        <mc:Fallback>
+        <mc:Fallback xmlns="">
           <p:sp>
             <p:nvSpPr>
               <p:cNvPr id="11" name="Content Placeholder 2">
@@ -12913,8 +13321,8 @@
           </p:sp>
         </mc:Fallback>
       </mc:AlternateContent>
-      <mc:AlternateContent xmlns:mc="http://schemas.openxmlformats.org/markup-compatibility/2006">
-        <mc:Choice xmlns:a14="http://schemas.microsoft.com/office/drawing/2010/main" Requires="a14">
+      <mc:AlternateContent xmlns:mc="http://schemas.openxmlformats.org/markup-compatibility/2006" xmlns:a14="http://schemas.microsoft.com/office/drawing/2010/main">
+        <mc:Choice Requires="a14">
           <p:sp>
             <p:nvSpPr>
               <p:cNvPr id="12" name="Content Placeholder 2">
@@ -13132,14 +13540,18 @@
                         <m:begChr m:val="⟨"/>
                         <m:endChr m:val="⟩"/>
                         <m:ctrlPr>
-                          <a:rPr lang="en-VN" sz="8800" i="1"/>
+                          <a:rPr lang="en-VN" sz="8800" i="1">
+                            <a:latin typeface="Cambria Math" panose="02040503050406030204" pitchFamily="18" charset="0"/>
+                          </a:rPr>
                         </m:ctrlPr>
                       </m:dPr>
                       <m:e>
                         <m:eqArr>
                           <m:eqArrPr>
                             <m:ctrlPr>
-                              <a:rPr lang="en-VN" sz="8800" i="1"/>
+                              <a:rPr lang="en-VN" sz="8800" i="1">
+                                <a:latin typeface="Cambria Math" panose="02040503050406030204" pitchFamily="18" charset="0"/>
+                              </a:rPr>
                             </m:ctrlPr>
                           </m:eqArrPr>
                           <m:e>
@@ -13160,7 +13572,9 @@
                                 <m:begChr m:val="⟨"/>
                                 <m:endChr m:val="⟩"/>
                                 <m:ctrlPr>
-                                  <a:rPr lang="en-VN" sz="8800" i="1"/>
+                                  <a:rPr lang="en-VN" sz="8800" i="1">
+                                    <a:latin typeface="Cambria Math" panose="02040503050406030204" pitchFamily="18" charset="0"/>
+                                  </a:rPr>
                                 </m:ctrlPr>
                               </m:dPr>
                               <m:e>
@@ -13331,7 +13745,9 @@
                         <m:begChr m:val="⟨"/>
                         <m:endChr m:val="⟩"/>
                         <m:ctrlPr>
-                          <a:rPr lang="en-VN" sz="8800" i="1"/>
+                          <a:rPr lang="en-VN" sz="8800" i="1">
+                            <a:latin typeface="Cambria Math" panose="02040503050406030204" pitchFamily="18" charset="0"/>
+                          </a:rPr>
                         </m:ctrlPr>
                       </m:dPr>
                       <m:e>
@@ -13404,7 +13820,7 @@
             </p:txBody>
           </p:sp>
         </mc:Choice>
-        <mc:Fallback>
+        <mc:Fallback xmlns="">
           <p:sp>
             <p:nvSpPr>
               <p:cNvPr id="12" name="Content Placeholder 2">
@@ -13449,8 +13865,8 @@
           </p:sp>
         </mc:Fallback>
       </mc:AlternateContent>
-      <mc:AlternateContent xmlns:mc="http://schemas.openxmlformats.org/markup-compatibility/2006">
-        <mc:Choice xmlns:a14="http://schemas.microsoft.com/office/drawing/2010/main" Requires="a14">
+      <mc:AlternateContent xmlns:mc="http://schemas.openxmlformats.org/markup-compatibility/2006" xmlns:a14="http://schemas.microsoft.com/office/drawing/2010/main">
+        <mc:Choice Requires="a14">
           <p:sp>
             <p:nvSpPr>
               <p:cNvPr id="22" name="Content Placeholder 2">
@@ -13735,7 +14151,7 @@
             </p:txBody>
           </p:sp>
         </mc:Choice>
-        <mc:Fallback>
+        <mc:Fallback xmlns="">
           <p:sp>
             <p:nvSpPr>
               <p:cNvPr id="22" name="Content Placeholder 2">
@@ -14898,16 +15314,6 @@
             <a:r>
               <a:rPr lang="en-US"/>
               <a:t>Mementor</a:t>
-            </a:r>
-          </a:p>
-          <a:p>
-            <a:pPr>
-              <a:buFontTx/>
-              <a:buChar char="-"/>
-            </a:pPr>
-            <a:r>
-              <a:rPr lang="en-US"/>
-              <a:t>Observer</a:t>
             </a:r>
           </a:p>
           <a:p>
